--- a/캡스톤/제안서/제안.pptx
+++ b/캡스톤/제안서/제안.pptx
@@ -8,13 +8,12 @@
     <p:sldId id="256" r:id="rId2"/>
     <p:sldId id="257" r:id="rId3"/>
     <p:sldId id="258" r:id="rId4"/>
-    <p:sldId id="263" r:id="rId5"/>
-    <p:sldId id="259" r:id="rId6"/>
-    <p:sldId id="264" r:id="rId7"/>
-    <p:sldId id="265" r:id="rId8"/>
-    <p:sldId id="260" r:id="rId9"/>
-    <p:sldId id="261" r:id="rId10"/>
-    <p:sldId id="262" r:id="rId11"/>
+    <p:sldId id="259" r:id="rId5"/>
+    <p:sldId id="264" r:id="rId6"/>
+    <p:sldId id="265" r:id="rId7"/>
+    <p:sldId id="260" r:id="rId8"/>
+    <p:sldId id="261" r:id="rId9"/>
+    <p:sldId id="262" r:id="rId10"/>
   </p:sldIdLst>
   <p:sldSz cx="18288000" cy="10287000"/>
   <p:notesSz cx="10287000" cy="18288000"/>
@@ -130,6 +129,2570 @@
     </p:ext>
   </p:extLst>
 </p:presentation>
+</file>
+
+<file path=ppt/diagrams/colors1.xml><?xml version="1.0" encoding="utf-8"?>
+<dgm:colorsDef xmlns:dgm="http://schemas.openxmlformats.org/drawingml/2006/diagram" xmlns:a="http://schemas.openxmlformats.org/drawingml/2006/main" uniqueId="urn:microsoft.com/office/officeart/2005/8/colors/accent0_1">
+  <dgm:title val=""/>
+  <dgm:desc val=""/>
+  <dgm:catLst>
+    <dgm:cat type="mainScheme" pri="10100"/>
+  </dgm:catLst>
+  <dgm:styleLbl name="node0">
+    <dgm:fillClrLst meth="repeat">
+      <a:schemeClr val="lt1"/>
+    </dgm:fillClrLst>
+    <dgm:linClrLst meth="repeat">
+      <a:schemeClr val="dk1">
+        <a:shade val="80000"/>
+      </a:schemeClr>
+    </dgm:linClrLst>
+    <dgm:effectClrLst/>
+    <dgm:txLinClrLst/>
+    <dgm:txFillClrLst meth="repeat">
+      <a:schemeClr val="dk1"/>
+    </dgm:txFillClrLst>
+    <dgm:txEffectClrLst/>
+  </dgm:styleLbl>
+  <dgm:styleLbl name="node1">
+    <dgm:fillClrLst meth="repeat">
+      <a:schemeClr val="lt1"/>
+    </dgm:fillClrLst>
+    <dgm:linClrLst meth="repeat">
+      <a:schemeClr val="dk1">
+        <a:shade val="80000"/>
+      </a:schemeClr>
+    </dgm:linClrLst>
+    <dgm:effectClrLst/>
+    <dgm:txLinClrLst/>
+    <dgm:txFillClrLst meth="repeat">
+      <a:schemeClr val="dk1"/>
+    </dgm:txFillClrLst>
+    <dgm:txEffectClrLst/>
+  </dgm:styleLbl>
+  <dgm:styleLbl name="alignNode1">
+    <dgm:fillClrLst meth="repeat">
+      <a:schemeClr val="lt1"/>
+    </dgm:fillClrLst>
+    <dgm:linClrLst meth="repeat">
+      <a:schemeClr val="dk1">
+        <a:shade val="80000"/>
+      </a:schemeClr>
+    </dgm:linClrLst>
+    <dgm:effectClrLst/>
+    <dgm:txLinClrLst/>
+    <dgm:txFillClrLst meth="repeat">
+      <a:schemeClr val="dk1"/>
+    </dgm:txFillClrLst>
+    <dgm:txEffectClrLst/>
+  </dgm:styleLbl>
+  <dgm:styleLbl name="lnNode1">
+    <dgm:fillClrLst meth="repeat">
+      <a:schemeClr val="lt1"/>
+    </dgm:fillClrLst>
+    <dgm:linClrLst meth="repeat">
+      <a:schemeClr val="dk1">
+        <a:shade val="80000"/>
+      </a:schemeClr>
+    </dgm:linClrLst>
+    <dgm:effectClrLst/>
+    <dgm:txLinClrLst/>
+    <dgm:txFillClrLst meth="repeat">
+      <a:schemeClr val="dk1"/>
+    </dgm:txFillClrLst>
+    <dgm:txEffectClrLst/>
+  </dgm:styleLbl>
+  <dgm:styleLbl name="vennNode1">
+    <dgm:fillClrLst meth="repeat">
+      <a:schemeClr val="lt1">
+        <a:alpha val="50000"/>
+      </a:schemeClr>
+    </dgm:fillClrLst>
+    <dgm:linClrLst meth="repeat">
+      <a:schemeClr val="dk1">
+        <a:shade val="80000"/>
+      </a:schemeClr>
+    </dgm:linClrLst>
+    <dgm:effectClrLst/>
+    <dgm:txLinClrLst/>
+    <dgm:txFillClrLst/>
+    <dgm:txEffectClrLst/>
+  </dgm:styleLbl>
+  <dgm:styleLbl name="node2">
+    <dgm:fillClrLst meth="repeat">
+      <a:schemeClr val="lt1"/>
+    </dgm:fillClrLst>
+    <dgm:linClrLst meth="repeat">
+      <a:schemeClr val="dk1">
+        <a:shade val="80000"/>
+      </a:schemeClr>
+    </dgm:linClrLst>
+    <dgm:effectClrLst/>
+    <dgm:txLinClrLst/>
+    <dgm:txFillClrLst meth="repeat">
+      <a:schemeClr val="dk1"/>
+    </dgm:txFillClrLst>
+    <dgm:txEffectClrLst/>
+  </dgm:styleLbl>
+  <dgm:styleLbl name="node3">
+    <dgm:fillClrLst meth="repeat">
+      <a:schemeClr val="lt1"/>
+    </dgm:fillClrLst>
+    <dgm:linClrLst meth="repeat">
+      <a:schemeClr val="dk1">
+        <a:shade val="80000"/>
+      </a:schemeClr>
+    </dgm:linClrLst>
+    <dgm:effectClrLst/>
+    <dgm:txLinClrLst/>
+    <dgm:txFillClrLst meth="repeat">
+      <a:schemeClr val="dk1"/>
+    </dgm:txFillClrLst>
+    <dgm:txEffectClrLst/>
+  </dgm:styleLbl>
+  <dgm:styleLbl name="node4">
+    <dgm:fillClrLst meth="repeat">
+      <a:schemeClr val="lt1"/>
+    </dgm:fillClrLst>
+    <dgm:linClrLst meth="repeat">
+      <a:schemeClr val="dk1">
+        <a:shade val="80000"/>
+      </a:schemeClr>
+    </dgm:linClrLst>
+    <dgm:effectClrLst/>
+    <dgm:txLinClrLst/>
+    <dgm:txFillClrLst meth="repeat">
+      <a:schemeClr val="dk1"/>
+    </dgm:txFillClrLst>
+    <dgm:txEffectClrLst/>
+  </dgm:styleLbl>
+  <dgm:styleLbl name="fgImgPlace1">
+    <dgm:fillClrLst meth="repeat">
+      <a:schemeClr val="dk1">
+        <a:tint val="40000"/>
+      </a:schemeClr>
+    </dgm:fillClrLst>
+    <dgm:linClrLst meth="repeat">
+      <a:schemeClr val="dk1">
+        <a:shade val="80000"/>
+      </a:schemeClr>
+    </dgm:linClrLst>
+    <dgm:effectClrLst/>
+    <dgm:txLinClrLst/>
+    <dgm:txFillClrLst meth="repeat">
+      <a:schemeClr val="lt1"/>
+    </dgm:txFillClrLst>
+    <dgm:txEffectClrLst/>
+  </dgm:styleLbl>
+  <dgm:styleLbl name="alignImgPlace1">
+    <dgm:fillClrLst meth="repeat">
+      <a:schemeClr val="dk1">
+        <a:tint val="40000"/>
+      </a:schemeClr>
+    </dgm:fillClrLst>
+    <dgm:linClrLst meth="repeat">
+      <a:schemeClr val="dk1">
+        <a:shade val="80000"/>
+      </a:schemeClr>
+    </dgm:linClrLst>
+    <dgm:effectClrLst/>
+    <dgm:txLinClrLst/>
+    <dgm:txFillClrLst meth="repeat">
+      <a:schemeClr val="lt1"/>
+    </dgm:txFillClrLst>
+    <dgm:txEffectClrLst/>
+  </dgm:styleLbl>
+  <dgm:styleLbl name="bgImgPlace1">
+    <dgm:fillClrLst meth="repeat">
+      <a:schemeClr val="dk1">
+        <a:tint val="40000"/>
+      </a:schemeClr>
+    </dgm:fillClrLst>
+    <dgm:linClrLst meth="repeat">
+      <a:schemeClr val="dk1">
+        <a:shade val="80000"/>
+      </a:schemeClr>
+    </dgm:linClrLst>
+    <dgm:effectClrLst/>
+    <dgm:txLinClrLst/>
+    <dgm:txFillClrLst meth="repeat">
+      <a:schemeClr val="lt1"/>
+    </dgm:txFillClrLst>
+    <dgm:txEffectClrLst/>
+  </dgm:styleLbl>
+  <dgm:styleLbl name="sibTrans2D1">
+    <dgm:fillClrLst meth="repeat">
+      <a:schemeClr val="dk1">
+        <a:tint val="60000"/>
+      </a:schemeClr>
+    </dgm:fillClrLst>
+    <dgm:linClrLst meth="repeat">
+      <a:schemeClr val="dk1">
+        <a:tint val="60000"/>
+      </a:schemeClr>
+    </dgm:linClrLst>
+    <dgm:effectClrLst/>
+    <dgm:txLinClrLst/>
+    <dgm:txFillClrLst meth="repeat">
+      <a:schemeClr val="dk1"/>
+    </dgm:txFillClrLst>
+    <dgm:txEffectClrLst/>
+  </dgm:styleLbl>
+  <dgm:styleLbl name="fgSibTrans2D1">
+    <dgm:fillClrLst meth="repeat">
+      <a:schemeClr val="dk1">
+        <a:tint val="60000"/>
+      </a:schemeClr>
+    </dgm:fillClrLst>
+    <dgm:linClrLst meth="repeat">
+      <a:schemeClr val="dk1">
+        <a:tint val="60000"/>
+      </a:schemeClr>
+    </dgm:linClrLst>
+    <dgm:effectClrLst/>
+    <dgm:txLinClrLst/>
+    <dgm:txFillClrLst meth="repeat">
+      <a:schemeClr val="dk1"/>
+    </dgm:txFillClrLst>
+    <dgm:txEffectClrLst/>
+  </dgm:styleLbl>
+  <dgm:styleLbl name="bgSibTrans2D1">
+    <dgm:fillClrLst meth="repeat">
+      <a:schemeClr val="dk1">
+        <a:tint val="60000"/>
+      </a:schemeClr>
+    </dgm:fillClrLst>
+    <dgm:linClrLst meth="repeat">
+      <a:schemeClr val="dk1">
+        <a:tint val="60000"/>
+      </a:schemeClr>
+    </dgm:linClrLst>
+    <dgm:effectClrLst/>
+    <dgm:txLinClrLst/>
+    <dgm:txFillClrLst meth="repeat">
+      <a:schemeClr val="dk1"/>
+    </dgm:txFillClrLst>
+    <dgm:txEffectClrLst/>
+  </dgm:styleLbl>
+  <dgm:styleLbl name="sibTrans1D1">
+    <dgm:fillClrLst meth="repeat">
+      <a:schemeClr val="dk1"/>
+    </dgm:fillClrLst>
+    <dgm:linClrLst meth="repeat">
+      <a:schemeClr val="dk1"/>
+    </dgm:linClrLst>
+    <dgm:effectClrLst/>
+    <dgm:txLinClrLst/>
+    <dgm:txFillClrLst meth="repeat">
+      <a:schemeClr val="tx1"/>
+    </dgm:txFillClrLst>
+    <dgm:txEffectClrLst/>
+  </dgm:styleLbl>
+  <dgm:styleLbl name="callout">
+    <dgm:fillClrLst meth="repeat">
+      <a:schemeClr val="dk1"/>
+    </dgm:fillClrLst>
+    <dgm:linClrLst meth="repeat">
+      <a:schemeClr val="dk1"/>
+    </dgm:linClrLst>
+    <dgm:effectClrLst/>
+    <dgm:txLinClrLst/>
+    <dgm:txFillClrLst meth="repeat">
+      <a:schemeClr val="tx1"/>
+    </dgm:txFillClrLst>
+    <dgm:txEffectClrLst/>
+  </dgm:styleLbl>
+  <dgm:styleLbl name="asst0">
+    <dgm:fillClrLst meth="repeat">
+      <a:schemeClr val="lt1"/>
+    </dgm:fillClrLst>
+    <dgm:linClrLst meth="repeat">
+      <a:schemeClr val="dk1">
+        <a:shade val="80000"/>
+      </a:schemeClr>
+    </dgm:linClrLst>
+    <dgm:effectClrLst/>
+    <dgm:txLinClrLst/>
+    <dgm:txFillClrLst meth="repeat">
+      <a:schemeClr val="dk1"/>
+    </dgm:txFillClrLst>
+    <dgm:txEffectClrLst/>
+  </dgm:styleLbl>
+  <dgm:styleLbl name="asst1">
+    <dgm:fillClrLst meth="repeat">
+      <a:schemeClr val="lt1"/>
+    </dgm:fillClrLst>
+    <dgm:linClrLst meth="repeat">
+      <a:schemeClr val="dk1">
+        <a:shade val="80000"/>
+      </a:schemeClr>
+    </dgm:linClrLst>
+    <dgm:effectClrLst/>
+    <dgm:txLinClrLst/>
+    <dgm:txFillClrLst meth="repeat">
+      <a:schemeClr val="dk1"/>
+    </dgm:txFillClrLst>
+    <dgm:txEffectClrLst/>
+  </dgm:styleLbl>
+  <dgm:styleLbl name="asst2">
+    <dgm:fillClrLst meth="repeat">
+      <a:schemeClr val="lt1"/>
+    </dgm:fillClrLst>
+    <dgm:linClrLst meth="repeat">
+      <a:schemeClr val="dk1">
+        <a:shade val="80000"/>
+      </a:schemeClr>
+    </dgm:linClrLst>
+    <dgm:effectClrLst/>
+    <dgm:txLinClrLst/>
+    <dgm:txFillClrLst meth="repeat">
+      <a:schemeClr val="dk1"/>
+    </dgm:txFillClrLst>
+    <dgm:txEffectClrLst/>
+  </dgm:styleLbl>
+  <dgm:styleLbl name="asst3">
+    <dgm:fillClrLst meth="repeat">
+      <a:schemeClr val="lt1"/>
+    </dgm:fillClrLst>
+    <dgm:linClrLst meth="repeat">
+      <a:schemeClr val="dk1">
+        <a:shade val="80000"/>
+      </a:schemeClr>
+    </dgm:linClrLst>
+    <dgm:effectClrLst/>
+    <dgm:txLinClrLst/>
+    <dgm:txFillClrLst meth="repeat">
+      <a:schemeClr val="dk1"/>
+    </dgm:txFillClrLst>
+    <dgm:txEffectClrLst/>
+  </dgm:styleLbl>
+  <dgm:styleLbl name="asst4">
+    <dgm:fillClrLst meth="repeat">
+      <a:schemeClr val="lt1"/>
+    </dgm:fillClrLst>
+    <dgm:linClrLst meth="repeat">
+      <a:schemeClr val="dk1">
+        <a:shade val="80000"/>
+      </a:schemeClr>
+    </dgm:linClrLst>
+    <dgm:effectClrLst/>
+    <dgm:txLinClrLst/>
+    <dgm:txFillClrLst meth="repeat">
+      <a:schemeClr val="dk1"/>
+    </dgm:txFillClrLst>
+    <dgm:txEffectClrLst/>
+  </dgm:styleLbl>
+  <dgm:styleLbl name="parChTrans2D1">
+    <dgm:fillClrLst meth="repeat">
+      <a:schemeClr val="dk1">
+        <a:tint val="60000"/>
+      </a:schemeClr>
+    </dgm:fillClrLst>
+    <dgm:linClrLst meth="repeat">
+      <a:schemeClr val="dk1">
+        <a:tint val="60000"/>
+      </a:schemeClr>
+    </dgm:linClrLst>
+    <dgm:effectClrLst/>
+    <dgm:txLinClrLst/>
+    <dgm:txFillClrLst/>
+    <dgm:txEffectClrLst/>
+  </dgm:styleLbl>
+  <dgm:styleLbl name="parChTrans2D2">
+    <dgm:fillClrLst meth="repeat">
+      <a:schemeClr val="dk1"/>
+    </dgm:fillClrLst>
+    <dgm:linClrLst meth="repeat">
+      <a:schemeClr val="dk1"/>
+    </dgm:linClrLst>
+    <dgm:effectClrLst/>
+    <dgm:txLinClrLst/>
+    <dgm:txFillClrLst/>
+    <dgm:txEffectClrLst/>
+  </dgm:styleLbl>
+  <dgm:styleLbl name="parChTrans2D3">
+    <dgm:fillClrLst meth="repeat">
+      <a:schemeClr val="dk1"/>
+    </dgm:fillClrLst>
+    <dgm:linClrLst meth="repeat">
+      <a:schemeClr val="dk1"/>
+    </dgm:linClrLst>
+    <dgm:effectClrLst/>
+    <dgm:txLinClrLst/>
+    <dgm:txFillClrLst/>
+    <dgm:txEffectClrLst/>
+  </dgm:styleLbl>
+  <dgm:styleLbl name="parChTrans2D4">
+    <dgm:fillClrLst meth="repeat">
+      <a:schemeClr val="dk1"/>
+    </dgm:fillClrLst>
+    <dgm:linClrLst meth="repeat">
+      <a:schemeClr val="dk1"/>
+    </dgm:linClrLst>
+    <dgm:effectClrLst/>
+    <dgm:txLinClrLst/>
+    <dgm:txFillClrLst meth="repeat">
+      <a:schemeClr val="lt1"/>
+    </dgm:txFillClrLst>
+    <dgm:txEffectClrLst/>
+  </dgm:styleLbl>
+  <dgm:styleLbl name="parChTrans1D1">
+    <dgm:fillClrLst meth="repeat">
+      <a:schemeClr val="dk1"/>
+    </dgm:fillClrLst>
+    <dgm:linClrLst meth="repeat">
+      <a:schemeClr val="dk1">
+        <a:shade val="60000"/>
+      </a:schemeClr>
+    </dgm:linClrLst>
+    <dgm:effectClrLst/>
+    <dgm:txLinClrLst/>
+    <dgm:txFillClrLst meth="repeat">
+      <a:schemeClr val="tx1"/>
+    </dgm:txFillClrLst>
+    <dgm:txEffectClrLst/>
+  </dgm:styleLbl>
+  <dgm:styleLbl name="parChTrans1D2">
+    <dgm:fillClrLst meth="repeat">
+      <a:schemeClr val="dk1"/>
+    </dgm:fillClrLst>
+    <dgm:linClrLst meth="repeat">
+      <a:schemeClr val="dk1">
+        <a:shade val="60000"/>
+      </a:schemeClr>
+    </dgm:linClrLst>
+    <dgm:effectClrLst/>
+    <dgm:txLinClrLst/>
+    <dgm:txFillClrLst meth="repeat">
+      <a:schemeClr val="tx1"/>
+    </dgm:txFillClrLst>
+    <dgm:txEffectClrLst/>
+  </dgm:styleLbl>
+  <dgm:styleLbl name="parChTrans1D3">
+    <dgm:fillClrLst meth="repeat">
+      <a:schemeClr val="dk1"/>
+    </dgm:fillClrLst>
+    <dgm:linClrLst meth="repeat">
+      <a:schemeClr val="dk1">
+        <a:shade val="80000"/>
+      </a:schemeClr>
+    </dgm:linClrLst>
+    <dgm:effectClrLst/>
+    <dgm:txLinClrLst/>
+    <dgm:txFillClrLst meth="repeat">
+      <a:schemeClr val="tx1"/>
+    </dgm:txFillClrLst>
+    <dgm:txEffectClrLst/>
+  </dgm:styleLbl>
+  <dgm:styleLbl name="parChTrans1D4">
+    <dgm:fillClrLst meth="repeat">
+      <a:schemeClr val="dk1"/>
+    </dgm:fillClrLst>
+    <dgm:linClrLst meth="repeat">
+      <a:schemeClr val="dk1">
+        <a:shade val="80000"/>
+      </a:schemeClr>
+    </dgm:linClrLst>
+    <dgm:effectClrLst/>
+    <dgm:txLinClrLst/>
+    <dgm:txFillClrLst meth="repeat">
+      <a:schemeClr val="tx1"/>
+    </dgm:txFillClrLst>
+    <dgm:txEffectClrLst/>
+  </dgm:styleLbl>
+  <dgm:styleLbl name="fgAcc1">
+    <dgm:fillClrLst meth="repeat">
+      <a:schemeClr val="dk1">
+        <a:alpha val="90000"/>
+        <a:tint val="40000"/>
+      </a:schemeClr>
+    </dgm:fillClrLst>
+    <dgm:linClrLst meth="repeat">
+      <a:schemeClr val="dk1"/>
+    </dgm:linClrLst>
+    <dgm:effectClrLst/>
+    <dgm:txLinClrLst/>
+    <dgm:txFillClrLst meth="repeat">
+      <a:schemeClr val="dk1"/>
+    </dgm:txFillClrLst>
+    <dgm:txEffectClrLst/>
+  </dgm:styleLbl>
+  <dgm:styleLbl name="conFgAcc1">
+    <dgm:fillClrLst meth="repeat">
+      <a:schemeClr val="dk1">
+        <a:alpha val="90000"/>
+        <a:tint val="40000"/>
+      </a:schemeClr>
+    </dgm:fillClrLst>
+    <dgm:linClrLst meth="repeat">
+      <a:schemeClr val="dk1"/>
+    </dgm:linClrLst>
+    <dgm:effectClrLst/>
+    <dgm:txLinClrLst/>
+    <dgm:txFillClrLst meth="repeat">
+      <a:schemeClr val="dk1"/>
+    </dgm:txFillClrLst>
+    <dgm:txEffectClrLst/>
+  </dgm:styleLbl>
+  <dgm:styleLbl name="alignAcc1">
+    <dgm:fillClrLst meth="repeat">
+      <a:schemeClr val="dk1">
+        <a:alpha val="90000"/>
+        <a:tint val="40000"/>
+      </a:schemeClr>
+    </dgm:fillClrLst>
+    <dgm:linClrLst meth="repeat">
+      <a:schemeClr val="dk1"/>
+    </dgm:linClrLst>
+    <dgm:effectClrLst/>
+    <dgm:txLinClrLst/>
+    <dgm:txFillClrLst meth="repeat">
+      <a:schemeClr val="dk1"/>
+    </dgm:txFillClrLst>
+    <dgm:txEffectClrLst/>
+  </dgm:styleLbl>
+  <dgm:styleLbl name="trAlignAcc1">
+    <dgm:fillClrLst meth="repeat">
+      <a:schemeClr val="dk1">
+        <a:alpha val="40000"/>
+        <a:tint val="40000"/>
+      </a:schemeClr>
+    </dgm:fillClrLst>
+    <dgm:linClrLst meth="repeat">
+      <a:schemeClr val="dk1"/>
+    </dgm:linClrLst>
+    <dgm:effectClrLst/>
+    <dgm:txLinClrLst/>
+    <dgm:txFillClrLst meth="repeat">
+      <a:schemeClr val="dk1"/>
+    </dgm:txFillClrLst>
+    <dgm:txEffectClrLst/>
+  </dgm:styleLbl>
+  <dgm:styleLbl name="bgAcc1">
+    <dgm:fillClrLst meth="repeat">
+      <a:schemeClr val="dk1">
+        <a:alpha val="90000"/>
+        <a:tint val="40000"/>
+      </a:schemeClr>
+    </dgm:fillClrLst>
+    <dgm:linClrLst meth="repeat">
+      <a:schemeClr val="dk1"/>
+    </dgm:linClrLst>
+    <dgm:effectClrLst/>
+    <dgm:txLinClrLst/>
+    <dgm:txFillClrLst meth="repeat">
+      <a:schemeClr val="dk1"/>
+    </dgm:txFillClrLst>
+    <dgm:txEffectClrLst/>
+  </dgm:styleLbl>
+  <dgm:styleLbl name="solidFgAcc1">
+    <dgm:fillClrLst meth="repeat">
+      <a:schemeClr val="lt1"/>
+    </dgm:fillClrLst>
+    <dgm:linClrLst meth="repeat">
+      <a:schemeClr val="dk1"/>
+    </dgm:linClrLst>
+    <dgm:effectClrLst/>
+    <dgm:txLinClrLst/>
+    <dgm:txFillClrLst meth="repeat">
+      <a:schemeClr val="dk1"/>
+    </dgm:txFillClrLst>
+    <dgm:txEffectClrLst/>
+  </dgm:styleLbl>
+  <dgm:styleLbl name="solidAlignAcc1">
+    <dgm:fillClrLst meth="repeat">
+      <a:schemeClr val="lt1"/>
+    </dgm:fillClrLst>
+    <dgm:linClrLst meth="repeat">
+      <a:schemeClr val="dk1"/>
+    </dgm:linClrLst>
+    <dgm:effectClrLst/>
+    <dgm:txLinClrLst/>
+    <dgm:txFillClrLst meth="repeat">
+      <a:schemeClr val="dk1"/>
+    </dgm:txFillClrLst>
+    <dgm:txEffectClrLst/>
+  </dgm:styleLbl>
+  <dgm:styleLbl name="solidBgAcc1">
+    <dgm:fillClrLst meth="repeat">
+      <a:schemeClr val="lt1"/>
+    </dgm:fillClrLst>
+    <dgm:linClrLst meth="repeat">
+      <a:schemeClr val="dk1"/>
+    </dgm:linClrLst>
+    <dgm:effectClrLst/>
+    <dgm:txLinClrLst/>
+    <dgm:txFillClrLst meth="repeat">
+      <a:schemeClr val="dk1"/>
+    </dgm:txFillClrLst>
+    <dgm:txEffectClrLst/>
+  </dgm:styleLbl>
+  <dgm:styleLbl name="fgAccFollowNode1">
+    <dgm:fillClrLst meth="repeat">
+      <a:schemeClr val="lt1">
+        <a:alpha val="90000"/>
+        <a:tint val="40000"/>
+      </a:schemeClr>
+    </dgm:fillClrLst>
+    <dgm:linClrLst meth="repeat">
+      <a:schemeClr val="dk1">
+        <a:alpha val="90000"/>
+      </a:schemeClr>
+    </dgm:linClrLst>
+    <dgm:effectClrLst/>
+    <dgm:txLinClrLst/>
+    <dgm:txFillClrLst meth="repeat">
+      <a:schemeClr val="dk1"/>
+    </dgm:txFillClrLst>
+    <dgm:txEffectClrLst/>
+  </dgm:styleLbl>
+  <dgm:styleLbl name="alignAccFollowNode1">
+    <dgm:fillClrLst meth="repeat">
+      <a:schemeClr val="lt1">
+        <a:alpha val="90000"/>
+        <a:tint val="40000"/>
+      </a:schemeClr>
+    </dgm:fillClrLst>
+    <dgm:linClrLst meth="repeat">
+      <a:schemeClr val="dk1">
+        <a:alpha val="90000"/>
+      </a:schemeClr>
+    </dgm:linClrLst>
+    <dgm:effectClrLst/>
+    <dgm:txLinClrLst/>
+    <dgm:txFillClrLst meth="repeat">
+      <a:schemeClr val="dk1"/>
+    </dgm:txFillClrLst>
+    <dgm:txEffectClrLst/>
+  </dgm:styleLbl>
+  <dgm:styleLbl name="bgAccFollowNode1">
+    <dgm:fillClrLst meth="repeat">
+      <a:schemeClr val="lt1">
+        <a:alpha val="90000"/>
+        <a:tint val="40000"/>
+      </a:schemeClr>
+    </dgm:fillClrLst>
+    <dgm:linClrLst meth="repeat">
+      <a:schemeClr val="dk1">
+        <a:alpha val="90000"/>
+      </a:schemeClr>
+    </dgm:linClrLst>
+    <dgm:effectClrLst/>
+    <dgm:txLinClrLst/>
+    <dgm:txFillClrLst meth="repeat">
+      <a:schemeClr val="dk1"/>
+    </dgm:txFillClrLst>
+    <dgm:txEffectClrLst/>
+  </dgm:styleLbl>
+  <dgm:styleLbl name="fgAcc0">
+    <dgm:fillClrLst meth="repeat">
+      <a:schemeClr val="dk1">
+        <a:alpha val="90000"/>
+        <a:tint val="40000"/>
+      </a:schemeClr>
+    </dgm:fillClrLst>
+    <dgm:linClrLst meth="repeat">
+      <a:schemeClr val="dk1"/>
+    </dgm:linClrLst>
+    <dgm:effectClrLst/>
+    <dgm:txLinClrLst/>
+    <dgm:txFillClrLst meth="repeat">
+      <a:schemeClr val="dk1"/>
+    </dgm:txFillClrLst>
+    <dgm:txEffectClrLst/>
+  </dgm:styleLbl>
+  <dgm:styleLbl name="fgAcc2">
+    <dgm:fillClrLst meth="repeat">
+      <a:schemeClr val="dk1">
+        <a:alpha val="90000"/>
+        <a:tint val="40000"/>
+      </a:schemeClr>
+    </dgm:fillClrLst>
+    <dgm:linClrLst meth="repeat">
+      <a:schemeClr val="dk1"/>
+    </dgm:linClrLst>
+    <dgm:effectClrLst/>
+    <dgm:txLinClrLst/>
+    <dgm:txFillClrLst meth="repeat">
+      <a:schemeClr val="dk1"/>
+    </dgm:txFillClrLst>
+    <dgm:txEffectClrLst/>
+  </dgm:styleLbl>
+  <dgm:styleLbl name="fgAcc3">
+    <dgm:fillClrLst meth="repeat">
+      <a:schemeClr val="dk1">
+        <a:alpha val="90000"/>
+        <a:tint val="40000"/>
+      </a:schemeClr>
+    </dgm:fillClrLst>
+    <dgm:linClrLst meth="repeat">
+      <a:schemeClr val="dk1"/>
+    </dgm:linClrLst>
+    <dgm:effectClrLst/>
+    <dgm:txLinClrLst/>
+    <dgm:txFillClrLst meth="repeat">
+      <a:schemeClr val="dk1"/>
+    </dgm:txFillClrLst>
+    <dgm:txEffectClrLst/>
+  </dgm:styleLbl>
+  <dgm:styleLbl name="fgAcc4">
+    <dgm:fillClrLst meth="repeat">
+      <a:schemeClr val="dk1">
+        <a:alpha val="90000"/>
+        <a:tint val="40000"/>
+      </a:schemeClr>
+    </dgm:fillClrLst>
+    <dgm:linClrLst meth="repeat">
+      <a:schemeClr val="dk1"/>
+    </dgm:linClrLst>
+    <dgm:effectClrLst/>
+    <dgm:txLinClrLst/>
+    <dgm:txFillClrLst meth="repeat">
+      <a:schemeClr val="dk1"/>
+    </dgm:txFillClrLst>
+    <dgm:txEffectClrLst/>
+  </dgm:styleLbl>
+  <dgm:styleLbl name="bgShp">
+    <dgm:fillClrLst meth="repeat">
+      <a:schemeClr val="dk1">
+        <a:tint val="40000"/>
+      </a:schemeClr>
+    </dgm:fillClrLst>
+    <dgm:linClrLst meth="repeat">
+      <a:schemeClr val="dk1"/>
+    </dgm:linClrLst>
+    <dgm:effectClrLst/>
+    <dgm:txLinClrLst/>
+    <dgm:txFillClrLst meth="repeat">
+      <a:schemeClr val="dk1"/>
+    </dgm:txFillClrLst>
+    <dgm:txEffectClrLst/>
+  </dgm:styleLbl>
+  <dgm:styleLbl name="dkBgShp">
+    <dgm:fillClrLst meth="repeat">
+      <a:schemeClr val="dk1">
+        <a:shade val="80000"/>
+      </a:schemeClr>
+    </dgm:fillClrLst>
+    <dgm:linClrLst meth="repeat">
+      <a:schemeClr val="dk1"/>
+    </dgm:linClrLst>
+    <dgm:effectClrLst/>
+    <dgm:txLinClrLst/>
+    <dgm:txFillClrLst meth="repeat">
+      <a:schemeClr val="lt1"/>
+    </dgm:txFillClrLst>
+    <dgm:txEffectClrLst/>
+  </dgm:styleLbl>
+  <dgm:styleLbl name="trBgShp">
+    <dgm:fillClrLst meth="repeat">
+      <a:schemeClr val="dk1">
+        <a:tint val="50000"/>
+        <a:alpha val="40000"/>
+      </a:schemeClr>
+    </dgm:fillClrLst>
+    <dgm:linClrLst meth="repeat">
+      <a:schemeClr val="dk1"/>
+    </dgm:linClrLst>
+    <dgm:effectClrLst/>
+    <dgm:txLinClrLst/>
+    <dgm:txFillClrLst meth="repeat">
+      <a:schemeClr val="lt1"/>
+    </dgm:txFillClrLst>
+    <dgm:txEffectClrLst/>
+  </dgm:styleLbl>
+  <dgm:styleLbl name="fgShp">
+    <dgm:fillClrLst meth="repeat">
+      <a:schemeClr val="dk1">
+        <a:tint val="60000"/>
+      </a:schemeClr>
+    </dgm:fillClrLst>
+    <dgm:linClrLst meth="repeat">
+      <a:schemeClr val="lt1"/>
+    </dgm:linClrLst>
+    <dgm:effectClrLst/>
+    <dgm:txLinClrLst/>
+    <dgm:txFillClrLst meth="repeat">
+      <a:schemeClr val="dk1"/>
+    </dgm:txFillClrLst>
+    <dgm:txEffectClrLst/>
+  </dgm:styleLbl>
+  <dgm:styleLbl name="revTx">
+    <dgm:fillClrLst meth="repeat">
+      <a:schemeClr val="lt1">
+        <a:alpha val="0"/>
+      </a:schemeClr>
+    </dgm:fillClrLst>
+    <dgm:linClrLst meth="repeat">
+      <a:schemeClr val="dk1">
+        <a:alpha val="0"/>
+      </a:schemeClr>
+    </dgm:linClrLst>
+    <dgm:effectClrLst/>
+    <dgm:txLinClrLst/>
+    <dgm:txFillClrLst meth="repeat">
+      <a:schemeClr val="tx1"/>
+    </dgm:txFillClrLst>
+    <dgm:txEffectClrLst/>
+  </dgm:styleLbl>
+</dgm:colorsDef>
+</file>
+
+<file path=ppt/diagrams/data1.xml><?xml version="1.0" encoding="utf-8"?>
+<dgm:dataModel xmlns:dgm="http://schemas.openxmlformats.org/drawingml/2006/diagram" xmlns:a="http://schemas.openxmlformats.org/drawingml/2006/main">
+  <dgm:ptLst>
+    <dgm:pt modelId="{5D29D07A-8363-4890-919B-6E64FF3E6C23}" type="doc">
+      <dgm:prSet loTypeId="urn:microsoft.com/office/officeart/2005/8/layout/vList2" loCatId="list" qsTypeId="urn:microsoft.com/office/officeart/2005/8/quickstyle/simple1" qsCatId="simple" csTypeId="urn:microsoft.com/office/officeart/2005/8/colors/accent0_1" csCatId="mainScheme" phldr="1"/>
+      <dgm:spPr/>
+      <dgm:t>
+        <a:bodyPr/>
+        <a:lstStyle/>
+        <a:p>
+          <a:pPr latinLnBrk="1"/>
+          <a:endParaRPr lang="ko-KR" altLang="en-US"/>
+        </a:p>
+      </dgm:t>
+    </dgm:pt>
+    <dgm:pt modelId="{2023E8BD-1F3D-4D2A-957A-C41D1D3B334F}">
+      <dgm:prSet phldrT="[텍스트]"/>
+      <dgm:spPr/>
+      <dgm:t>
+        <a:bodyPr/>
+        <a:lstStyle/>
+        <a:p>
+          <a:pPr latinLnBrk="1"/>
+          <a:r>
+            <a:rPr lang="en-US" altLang="ko-KR" dirty="0"/>
+            <a:t>Progress Meeting</a:t>
+          </a:r>
+          <a:endParaRPr lang="ko-KR" altLang="en-US" dirty="0"/>
+        </a:p>
+      </dgm:t>
+    </dgm:pt>
+    <dgm:pt modelId="{A2302A2F-FCD0-4C97-98A6-38343338F78D}" type="parTrans" cxnId="{BA9A217F-B27D-44C6-997A-3975E9C32978}">
+      <dgm:prSet/>
+      <dgm:spPr/>
+      <dgm:t>
+        <a:bodyPr/>
+        <a:lstStyle/>
+        <a:p>
+          <a:pPr latinLnBrk="1"/>
+          <a:endParaRPr lang="ko-KR" altLang="en-US"/>
+        </a:p>
+      </dgm:t>
+    </dgm:pt>
+    <dgm:pt modelId="{4B29BEC7-FB91-4F7C-BCDB-8F27D3AF5024}" type="sibTrans" cxnId="{BA9A217F-B27D-44C6-997A-3975E9C32978}">
+      <dgm:prSet/>
+      <dgm:spPr/>
+      <dgm:t>
+        <a:bodyPr/>
+        <a:lstStyle/>
+        <a:p>
+          <a:pPr latinLnBrk="1"/>
+          <a:endParaRPr lang="ko-KR" altLang="en-US"/>
+        </a:p>
+      </dgm:t>
+    </dgm:pt>
+    <dgm:pt modelId="{2F9872D6-D27F-426E-A823-346D495A57DB}">
+      <dgm:prSet phldrT="[텍스트]"/>
+      <dgm:spPr/>
+      <dgm:t>
+        <a:bodyPr/>
+        <a:lstStyle/>
+        <a:p>
+          <a:pPr latinLnBrk="1"/>
+          <a:r>
+            <a:rPr lang="en-US" altLang="ko-KR" dirty="0"/>
+            <a:t>2</a:t>
+          </a:r>
+          <a:r>
+            <a:rPr lang="ko-KR" altLang="en-US" dirty="0"/>
+            <a:t>주마다 교수님과 미팅</a:t>
+          </a:r>
+        </a:p>
+      </dgm:t>
+    </dgm:pt>
+    <dgm:pt modelId="{B8BC3AA3-B3E4-4706-B380-373EAB5F7B00}" type="parTrans" cxnId="{3E806700-981C-416B-8005-705C176B3388}">
+      <dgm:prSet/>
+      <dgm:spPr/>
+      <dgm:t>
+        <a:bodyPr/>
+        <a:lstStyle/>
+        <a:p>
+          <a:pPr latinLnBrk="1"/>
+          <a:endParaRPr lang="ko-KR" altLang="en-US"/>
+        </a:p>
+      </dgm:t>
+    </dgm:pt>
+    <dgm:pt modelId="{CCD30360-9CA4-4B47-A565-0FDB538D247E}" type="sibTrans" cxnId="{3E806700-981C-416B-8005-705C176B3388}">
+      <dgm:prSet/>
+      <dgm:spPr/>
+      <dgm:t>
+        <a:bodyPr/>
+        <a:lstStyle/>
+        <a:p>
+          <a:pPr latinLnBrk="1"/>
+          <a:endParaRPr lang="ko-KR" altLang="en-US"/>
+        </a:p>
+      </dgm:t>
+    </dgm:pt>
+    <dgm:pt modelId="{BC44D8BA-DED9-4333-81BA-5911DBEE980F}">
+      <dgm:prSet phldrT="[텍스트]"/>
+      <dgm:spPr/>
+      <dgm:t>
+        <a:bodyPr/>
+        <a:lstStyle/>
+        <a:p>
+          <a:pPr latinLnBrk="1"/>
+          <a:r>
+            <a:rPr lang="ko-KR" altLang="en-US" dirty="0"/>
+            <a:t>매주 </a:t>
+          </a:r>
+          <a:r>
+            <a:rPr lang="en-US" altLang="ko-KR" dirty="0"/>
+            <a:t>2</a:t>
+          </a:r>
+          <a:r>
+            <a:rPr lang="ko-KR" altLang="en-US" dirty="0"/>
+            <a:t>번씩 팀원과 회의</a:t>
+          </a:r>
+        </a:p>
+      </dgm:t>
+    </dgm:pt>
+    <dgm:pt modelId="{718646C1-D5B7-4EBB-8C6E-40A0A2484A6B}" type="parTrans" cxnId="{76991484-CC7E-44F5-A9E8-6E2DE32EA6E3}">
+      <dgm:prSet/>
+      <dgm:spPr/>
+      <dgm:t>
+        <a:bodyPr/>
+        <a:lstStyle/>
+        <a:p>
+          <a:pPr latinLnBrk="1"/>
+          <a:endParaRPr lang="ko-KR" altLang="en-US"/>
+        </a:p>
+      </dgm:t>
+    </dgm:pt>
+    <dgm:pt modelId="{1B146722-CFA7-4804-A64B-69CB26BB0D15}" type="sibTrans" cxnId="{76991484-CC7E-44F5-A9E8-6E2DE32EA6E3}">
+      <dgm:prSet/>
+      <dgm:spPr/>
+      <dgm:t>
+        <a:bodyPr/>
+        <a:lstStyle/>
+        <a:p>
+          <a:pPr latinLnBrk="1"/>
+          <a:endParaRPr lang="ko-KR" altLang="en-US"/>
+        </a:p>
+      </dgm:t>
+    </dgm:pt>
+    <dgm:pt modelId="{E6033385-55BB-40D7-B132-38138D688054}">
+      <dgm:prSet phldrT="[텍스트]"/>
+      <dgm:spPr/>
+      <dgm:t>
+        <a:bodyPr/>
+        <a:lstStyle/>
+        <a:p>
+          <a:pPr latinLnBrk="1"/>
+          <a:r>
+            <a:rPr lang="en-US" altLang="ko-KR" dirty="0"/>
+            <a:t>Personal Meeting</a:t>
+          </a:r>
+          <a:endParaRPr lang="ko-KR" altLang="en-US" dirty="0"/>
+        </a:p>
+      </dgm:t>
+    </dgm:pt>
+    <dgm:pt modelId="{4B1F3C5F-D133-4DBD-B750-B2AA77553ACD}" type="sibTrans" cxnId="{BF883436-C6AD-4B46-8102-12613FEBAA2F}">
+      <dgm:prSet/>
+      <dgm:spPr/>
+      <dgm:t>
+        <a:bodyPr/>
+        <a:lstStyle/>
+        <a:p>
+          <a:pPr latinLnBrk="1"/>
+          <a:endParaRPr lang="ko-KR" altLang="en-US"/>
+        </a:p>
+      </dgm:t>
+    </dgm:pt>
+    <dgm:pt modelId="{2DCAE707-DC75-4C1B-83E6-7DAA9D72F41D}" type="parTrans" cxnId="{BF883436-C6AD-4B46-8102-12613FEBAA2F}">
+      <dgm:prSet/>
+      <dgm:spPr/>
+      <dgm:t>
+        <a:bodyPr/>
+        <a:lstStyle/>
+        <a:p>
+          <a:pPr latinLnBrk="1"/>
+          <a:endParaRPr lang="ko-KR" altLang="en-US"/>
+        </a:p>
+      </dgm:t>
+    </dgm:pt>
+    <dgm:pt modelId="{6C115854-7D1A-41D7-9DB8-BB9FAAADA6A8}" type="pres">
+      <dgm:prSet presAssocID="{5D29D07A-8363-4890-919B-6E64FF3E6C23}" presName="linear" presStyleCnt="0">
+        <dgm:presLayoutVars>
+          <dgm:animLvl val="lvl"/>
+          <dgm:resizeHandles val="exact"/>
+        </dgm:presLayoutVars>
+      </dgm:prSet>
+      <dgm:spPr/>
+    </dgm:pt>
+    <dgm:pt modelId="{8F519949-D6EE-402D-ACC3-6C54C19B815F}" type="pres">
+      <dgm:prSet presAssocID="{2023E8BD-1F3D-4D2A-957A-C41D1D3B334F}" presName="parentText" presStyleLbl="node1" presStyleIdx="0" presStyleCnt="2">
+        <dgm:presLayoutVars>
+          <dgm:chMax val="0"/>
+          <dgm:bulletEnabled val="1"/>
+        </dgm:presLayoutVars>
+      </dgm:prSet>
+      <dgm:spPr/>
+    </dgm:pt>
+    <dgm:pt modelId="{6900F7D3-EB0F-4A0C-9477-711B8E205382}" type="pres">
+      <dgm:prSet presAssocID="{2023E8BD-1F3D-4D2A-957A-C41D1D3B334F}" presName="childText" presStyleLbl="revTx" presStyleIdx="0" presStyleCnt="2">
+        <dgm:presLayoutVars>
+          <dgm:bulletEnabled val="1"/>
+        </dgm:presLayoutVars>
+      </dgm:prSet>
+      <dgm:spPr/>
+    </dgm:pt>
+    <dgm:pt modelId="{35CA9599-93A6-4A16-944C-3139568D8029}" type="pres">
+      <dgm:prSet presAssocID="{E6033385-55BB-40D7-B132-38138D688054}" presName="parentText" presStyleLbl="node1" presStyleIdx="1" presStyleCnt="2">
+        <dgm:presLayoutVars>
+          <dgm:chMax val="0"/>
+          <dgm:bulletEnabled val="1"/>
+        </dgm:presLayoutVars>
+      </dgm:prSet>
+      <dgm:spPr/>
+    </dgm:pt>
+    <dgm:pt modelId="{0D047041-CC46-4905-A9AD-29955EA83163}" type="pres">
+      <dgm:prSet presAssocID="{E6033385-55BB-40D7-B132-38138D688054}" presName="childText" presStyleLbl="revTx" presStyleIdx="1" presStyleCnt="2">
+        <dgm:presLayoutVars>
+          <dgm:bulletEnabled val="1"/>
+        </dgm:presLayoutVars>
+      </dgm:prSet>
+      <dgm:spPr/>
+    </dgm:pt>
+  </dgm:ptLst>
+  <dgm:cxnLst>
+    <dgm:cxn modelId="{3E806700-981C-416B-8005-705C176B3388}" srcId="{2023E8BD-1F3D-4D2A-957A-C41D1D3B334F}" destId="{2F9872D6-D27F-426E-A823-346D495A57DB}" srcOrd="0" destOrd="0" parTransId="{B8BC3AA3-B3E4-4706-B380-373EAB5F7B00}" sibTransId="{CCD30360-9CA4-4B47-A565-0FDB538D247E}"/>
+    <dgm:cxn modelId="{208FCA04-4DF2-4323-9859-94C2E5558BD6}" type="presOf" srcId="{E6033385-55BB-40D7-B132-38138D688054}" destId="{35CA9599-93A6-4A16-944C-3139568D8029}" srcOrd="0" destOrd="0" presId="urn:microsoft.com/office/officeart/2005/8/layout/vList2"/>
+    <dgm:cxn modelId="{C3BFDA1D-81B3-41C0-AD2D-822463E4ADD2}" type="presOf" srcId="{5D29D07A-8363-4890-919B-6E64FF3E6C23}" destId="{6C115854-7D1A-41D7-9DB8-BB9FAAADA6A8}" srcOrd="0" destOrd="0" presId="urn:microsoft.com/office/officeart/2005/8/layout/vList2"/>
+    <dgm:cxn modelId="{BF883436-C6AD-4B46-8102-12613FEBAA2F}" srcId="{5D29D07A-8363-4890-919B-6E64FF3E6C23}" destId="{E6033385-55BB-40D7-B132-38138D688054}" srcOrd="1" destOrd="0" parTransId="{2DCAE707-DC75-4C1B-83E6-7DAA9D72F41D}" sibTransId="{4B1F3C5F-D133-4DBD-B750-B2AA77553ACD}"/>
+    <dgm:cxn modelId="{90EDAB41-B5FF-4B58-8A6F-C63AD9792E5D}" type="presOf" srcId="{2F9872D6-D27F-426E-A823-346D495A57DB}" destId="{6900F7D3-EB0F-4A0C-9477-711B8E205382}" srcOrd="0" destOrd="0" presId="urn:microsoft.com/office/officeart/2005/8/layout/vList2"/>
+    <dgm:cxn modelId="{2ED5F54F-1FAF-4F23-9375-0A14CBAB5389}" type="presOf" srcId="{2023E8BD-1F3D-4D2A-957A-C41D1D3B334F}" destId="{8F519949-D6EE-402D-ACC3-6C54C19B815F}" srcOrd="0" destOrd="0" presId="urn:microsoft.com/office/officeart/2005/8/layout/vList2"/>
+    <dgm:cxn modelId="{BDF7BF72-F8B6-4554-9ADA-7CDF43FEBA49}" type="presOf" srcId="{BC44D8BA-DED9-4333-81BA-5911DBEE980F}" destId="{0D047041-CC46-4905-A9AD-29955EA83163}" srcOrd="0" destOrd="0" presId="urn:microsoft.com/office/officeart/2005/8/layout/vList2"/>
+    <dgm:cxn modelId="{BA9A217F-B27D-44C6-997A-3975E9C32978}" srcId="{5D29D07A-8363-4890-919B-6E64FF3E6C23}" destId="{2023E8BD-1F3D-4D2A-957A-C41D1D3B334F}" srcOrd="0" destOrd="0" parTransId="{A2302A2F-FCD0-4C97-98A6-38343338F78D}" sibTransId="{4B29BEC7-FB91-4F7C-BCDB-8F27D3AF5024}"/>
+    <dgm:cxn modelId="{76991484-CC7E-44F5-A9E8-6E2DE32EA6E3}" srcId="{E6033385-55BB-40D7-B132-38138D688054}" destId="{BC44D8BA-DED9-4333-81BA-5911DBEE980F}" srcOrd="0" destOrd="0" parTransId="{718646C1-D5B7-4EBB-8C6E-40A0A2484A6B}" sibTransId="{1B146722-CFA7-4804-A64B-69CB26BB0D15}"/>
+    <dgm:cxn modelId="{45E07EA6-2F32-461C-A8CD-204E8E00D544}" type="presParOf" srcId="{6C115854-7D1A-41D7-9DB8-BB9FAAADA6A8}" destId="{8F519949-D6EE-402D-ACC3-6C54C19B815F}" srcOrd="0" destOrd="0" presId="urn:microsoft.com/office/officeart/2005/8/layout/vList2"/>
+    <dgm:cxn modelId="{1407D35D-995E-430A-8386-8892F4708C42}" type="presParOf" srcId="{6C115854-7D1A-41D7-9DB8-BB9FAAADA6A8}" destId="{6900F7D3-EB0F-4A0C-9477-711B8E205382}" srcOrd="1" destOrd="0" presId="urn:microsoft.com/office/officeart/2005/8/layout/vList2"/>
+    <dgm:cxn modelId="{6C1B38D0-A40F-430B-B66A-683691424D55}" type="presParOf" srcId="{6C115854-7D1A-41D7-9DB8-BB9FAAADA6A8}" destId="{35CA9599-93A6-4A16-944C-3139568D8029}" srcOrd="2" destOrd="0" presId="urn:microsoft.com/office/officeart/2005/8/layout/vList2"/>
+    <dgm:cxn modelId="{FB49126F-CF79-4E32-88AC-05165B60C582}" type="presParOf" srcId="{6C115854-7D1A-41D7-9DB8-BB9FAAADA6A8}" destId="{0D047041-CC46-4905-A9AD-29955EA83163}" srcOrd="3" destOrd="0" presId="urn:microsoft.com/office/officeart/2005/8/layout/vList2"/>
+  </dgm:cxnLst>
+  <dgm:bg/>
+  <dgm:whole/>
+  <dgm:extLst>
+    <a:ext uri="http://schemas.microsoft.com/office/drawing/2008/diagram">
+      <dsp:dataModelExt xmlns:dsp="http://schemas.microsoft.com/office/drawing/2008/diagram" relId="rId8" minVer="http://schemas.openxmlformats.org/drawingml/2006/diagram"/>
+    </a:ext>
+  </dgm:extLst>
+</dgm:dataModel>
+</file>
+
+<file path=ppt/diagrams/drawing1.xml><?xml version="1.0" encoding="utf-8"?>
+<dsp:drawing xmlns:dgm="http://schemas.openxmlformats.org/drawingml/2006/diagram" xmlns:dsp="http://schemas.microsoft.com/office/drawing/2008/diagram" xmlns:a="http://schemas.openxmlformats.org/drawingml/2006/main">
+  <dsp:spTree>
+    <dsp:nvGrpSpPr>
+      <dsp:cNvPr id="0" name=""/>
+      <dsp:cNvGrpSpPr/>
+    </dsp:nvGrpSpPr>
+    <dsp:grpSpPr/>
+    <dsp:sp modelId="{8F519949-D6EE-402D-ACC3-6C54C19B815F}">
+      <dsp:nvSpPr>
+        <dsp:cNvPr id="0" name=""/>
+        <dsp:cNvSpPr/>
+      </dsp:nvSpPr>
+      <dsp:spPr>
+        <a:xfrm>
+          <a:off x="0" y="1294024"/>
+          <a:ext cx="12192000" cy="1559025"/>
+        </a:xfrm>
+        <a:prstGeom prst="roundRect">
+          <a:avLst/>
+        </a:prstGeom>
+        <a:solidFill>
+          <a:schemeClr val="lt1">
+            <a:hueOff val="0"/>
+            <a:satOff val="0"/>
+            <a:lumOff val="0"/>
+            <a:alphaOff val="0"/>
+          </a:schemeClr>
+        </a:solidFill>
+        <a:ln w="25400" cap="flat" cmpd="sng" algn="ctr">
+          <a:solidFill>
+            <a:schemeClr val="dk1">
+              <a:shade val="80000"/>
+              <a:hueOff val="0"/>
+              <a:satOff val="0"/>
+              <a:lumOff val="0"/>
+              <a:alphaOff val="0"/>
+            </a:schemeClr>
+          </a:solidFill>
+          <a:prstDash val="solid"/>
+        </a:ln>
+        <a:effectLst/>
+      </dsp:spPr>
+      <dsp:style>
+        <a:lnRef idx="2">
+          <a:scrgbClr r="0" g="0" b="0"/>
+        </a:lnRef>
+        <a:fillRef idx="1">
+          <a:scrgbClr r="0" g="0" b="0"/>
+        </a:fillRef>
+        <a:effectRef idx="0">
+          <a:scrgbClr r="0" g="0" b="0"/>
+        </a:effectRef>
+        <a:fontRef idx="minor">
+          <a:schemeClr val="lt1"/>
+        </a:fontRef>
+      </dsp:style>
+      <dsp:txBody>
+        <a:bodyPr spcFirstLastPara="0" vert="horz" wrap="square" lIns="247650" tIns="247650" rIns="247650" bIns="247650" numCol="1" spcCol="1270" anchor="ctr" anchorCtr="0">
+          <a:noAutofit/>
+        </a:bodyPr>
+        <a:lstStyle/>
+        <a:p>
+          <a:pPr marL="0" lvl="0" indent="0" algn="l" defTabSz="2889250" latinLnBrk="1">
+            <a:lnSpc>
+              <a:spcPct val="90000"/>
+            </a:lnSpc>
+            <a:spcBef>
+              <a:spcPct val="0"/>
+            </a:spcBef>
+            <a:spcAft>
+              <a:spcPct val="35000"/>
+            </a:spcAft>
+            <a:buNone/>
+          </a:pPr>
+          <a:r>
+            <a:rPr lang="en-US" altLang="ko-KR" sz="6500" kern="1200" dirty="0"/>
+            <a:t>Progress Meeting</a:t>
+          </a:r>
+          <a:endParaRPr lang="ko-KR" altLang="en-US" sz="6500" kern="1200" dirty="0"/>
+        </a:p>
+      </dsp:txBody>
+      <dsp:txXfrm>
+        <a:off x="76105" y="1370129"/>
+        <a:ext cx="12039790" cy="1406815"/>
+      </dsp:txXfrm>
+    </dsp:sp>
+    <dsp:sp modelId="{6900F7D3-EB0F-4A0C-9477-711B8E205382}">
+      <dsp:nvSpPr>
+        <dsp:cNvPr id="0" name=""/>
+        <dsp:cNvSpPr/>
+      </dsp:nvSpPr>
+      <dsp:spPr>
+        <a:xfrm>
+          <a:off x="0" y="2853049"/>
+          <a:ext cx="12192000" cy="1210950"/>
+        </a:xfrm>
+        <a:prstGeom prst="rect">
+          <a:avLst/>
+        </a:prstGeom>
+        <a:noFill/>
+        <a:ln>
+          <a:noFill/>
+        </a:ln>
+        <a:effectLst/>
+      </dsp:spPr>
+      <dsp:style>
+        <a:lnRef idx="0">
+          <a:scrgbClr r="0" g="0" b="0"/>
+        </a:lnRef>
+        <a:fillRef idx="0">
+          <a:scrgbClr r="0" g="0" b="0"/>
+        </a:fillRef>
+        <a:effectRef idx="0">
+          <a:scrgbClr r="0" g="0" b="0"/>
+        </a:effectRef>
+        <a:fontRef idx="minor"/>
+      </dsp:style>
+      <dsp:txBody>
+        <a:bodyPr spcFirstLastPara="0" vert="horz" wrap="square" lIns="387096" tIns="82550" rIns="462280" bIns="82550" numCol="1" spcCol="1270" anchor="t" anchorCtr="0">
+          <a:noAutofit/>
+        </a:bodyPr>
+        <a:lstStyle/>
+        <a:p>
+          <a:pPr marL="285750" lvl="1" indent="-285750" algn="l" defTabSz="2266950" latinLnBrk="1">
+            <a:lnSpc>
+              <a:spcPct val="90000"/>
+            </a:lnSpc>
+            <a:spcBef>
+              <a:spcPct val="0"/>
+            </a:spcBef>
+            <a:spcAft>
+              <a:spcPct val="20000"/>
+            </a:spcAft>
+            <a:buChar char="•"/>
+          </a:pPr>
+          <a:r>
+            <a:rPr lang="en-US" altLang="ko-KR" sz="5100" kern="1200" dirty="0"/>
+            <a:t>2</a:t>
+          </a:r>
+          <a:r>
+            <a:rPr lang="ko-KR" altLang="en-US" sz="5100" kern="1200" dirty="0"/>
+            <a:t>주마다 교수님과 미팅</a:t>
+          </a:r>
+        </a:p>
+      </dsp:txBody>
+      <dsp:txXfrm>
+        <a:off x="0" y="2853049"/>
+        <a:ext cx="12192000" cy="1210950"/>
+      </dsp:txXfrm>
+    </dsp:sp>
+    <dsp:sp modelId="{35CA9599-93A6-4A16-944C-3139568D8029}">
+      <dsp:nvSpPr>
+        <dsp:cNvPr id="0" name=""/>
+        <dsp:cNvSpPr/>
+      </dsp:nvSpPr>
+      <dsp:spPr>
+        <a:xfrm>
+          <a:off x="0" y="4064000"/>
+          <a:ext cx="12192000" cy="1559025"/>
+        </a:xfrm>
+        <a:prstGeom prst="roundRect">
+          <a:avLst/>
+        </a:prstGeom>
+        <a:solidFill>
+          <a:schemeClr val="lt1">
+            <a:hueOff val="0"/>
+            <a:satOff val="0"/>
+            <a:lumOff val="0"/>
+            <a:alphaOff val="0"/>
+          </a:schemeClr>
+        </a:solidFill>
+        <a:ln w="25400" cap="flat" cmpd="sng" algn="ctr">
+          <a:solidFill>
+            <a:schemeClr val="dk1">
+              <a:shade val="80000"/>
+              <a:hueOff val="0"/>
+              <a:satOff val="0"/>
+              <a:lumOff val="0"/>
+              <a:alphaOff val="0"/>
+            </a:schemeClr>
+          </a:solidFill>
+          <a:prstDash val="solid"/>
+        </a:ln>
+        <a:effectLst/>
+      </dsp:spPr>
+      <dsp:style>
+        <a:lnRef idx="2">
+          <a:scrgbClr r="0" g="0" b="0"/>
+        </a:lnRef>
+        <a:fillRef idx="1">
+          <a:scrgbClr r="0" g="0" b="0"/>
+        </a:fillRef>
+        <a:effectRef idx="0">
+          <a:scrgbClr r="0" g="0" b="0"/>
+        </a:effectRef>
+        <a:fontRef idx="minor">
+          <a:schemeClr val="lt1"/>
+        </a:fontRef>
+      </dsp:style>
+      <dsp:txBody>
+        <a:bodyPr spcFirstLastPara="0" vert="horz" wrap="square" lIns="247650" tIns="247650" rIns="247650" bIns="247650" numCol="1" spcCol="1270" anchor="ctr" anchorCtr="0">
+          <a:noAutofit/>
+        </a:bodyPr>
+        <a:lstStyle/>
+        <a:p>
+          <a:pPr marL="0" lvl="0" indent="0" algn="l" defTabSz="2889250" latinLnBrk="1">
+            <a:lnSpc>
+              <a:spcPct val="90000"/>
+            </a:lnSpc>
+            <a:spcBef>
+              <a:spcPct val="0"/>
+            </a:spcBef>
+            <a:spcAft>
+              <a:spcPct val="35000"/>
+            </a:spcAft>
+            <a:buNone/>
+          </a:pPr>
+          <a:r>
+            <a:rPr lang="en-US" altLang="ko-KR" sz="6500" kern="1200" dirty="0"/>
+            <a:t>Personal Meeting</a:t>
+          </a:r>
+          <a:endParaRPr lang="ko-KR" altLang="en-US" sz="6500" kern="1200" dirty="0"/>
+        </a:p>
+      </dsp:txBody>
+      <dsp:txXfrm>
+        <a:off x="76105" y="4140105"/>
+        <a:ext cx="12039790" cy="1406815"/>
+      </dsp:txXfrm>
+    </dsp:sp>
+    <dsp:sp modelId="{0D047041-CC46-4905-A9AD-29955EA83163}">
+      <dsp:nvSpPr>
+        <dsp:cNvPr id="0" name=""/>
+        <dsp:cNvSpPr/>
+      </dsp:nvSpPr>
+      <dsp:spPr>
+        <a:xfrm>
+          <a:off x="0" y="5623025"/>
+          <a:ext cx="12192000" cy="1210950"/>
+        </a:xfrm>
+        <a:prstGeom prst="rect">
+          <a:avLst/>
+        </a:prstGeom>
+        <a:noFill/>
+        <a:ln>
+          <a:noFill/>
+        </a:ln>
+        <a:effectLst/>
+      </dsp:spPr>
+      <dsp:style>
+        <a:lnRef idx="0">
+          <a:scrgbClr r="0" g="0" b="0"/>
+        </a:lnRef>
+        <a:fillRef idx="0">
+          <a:scrgbClr r="0" g="0" b="0"/>
+        </a:fillRef>
+        <a:effectRef idx="0">
+          <a:scrgbClr r="0" g="0" b="0"/>
+        </a:effectRef>
+        <a:fontRef idx="minor"/>
+      </dsp:style>
+      <dsp:txBody>
+        <a:bodyPr spcFirstLastPara="0" vert="horz" wrap="square" lIns="387096" tIns="82550" rIns="462280" bIns="82550" numCol="1" spcCol="1270" anchor="t" anchorCtr="0">
+          <a:noAutofit/>
+        </a:bodyPr>
+        <a:lstStyle/>
+        <a:p>
+          <a:pPr marL="285750" lvl="1" indent="-285750" algn="l" defTabSz="2266950" latinLnBrk="1">
+            <a:lnSpc>
+              <a:spcPct val="90000"/>
+            </a:lnSpc>
+            <a:spcBef>
+              <a:spcPct val="0"/>
+            </a:spcBef>
+            <a:spcAft>
+              <a:spcPct val="20000"/>
+            </a:spcAft>
+            <a:buChar char="•"/>
+          </a:pPr>
+          <a:r>
+            <a:rPr lang="ko-KR" altLang="en-US" sz="5100" kern="1200" dirty="0"/>
+            <a:t>매주 </a:t>
+          </a:r>
+          <a:r>
+            <a:rPr lang="en-US" altLang="ko-KR" sz="5100" kern="1200" dirty="0"/>
+            <a:t>2</a:t>
+          </a:r>
+          <a:r>
+            <a:rPr lang="ko-KR" altLang="en-US" sz="5100" kern="1200" dirty="0"/>
+            <a:t>번씩 팀원과 회의</a:t>
+          </a:r>
+        </a:p>
+      </dsp:txBody>
+      <dsp:txXfrm>
+        <a:off x="0" y="5623025"/>
+        <a:ext cx="12192000" cy="1210950"/>
+      </dsp:txXfrm>
+    </dsp:sp>
+  </dsp:spTree>
+</dsp:drawing>
+</file>
+
+<file path=ppt/diagrams/layout1.xml><?xml version="1.0" encoding="utf-8"?>
+<dgm:layoutDef xmlns:dgm="http://schemas.openxmlformats.org/drawingml/2006/diagram" xmlns:a="http://schemas.openxmlformats.org/drawingml/2006/main" uniqueId="urn:microsoft.com/office/officeart/2005/8/layout/vList2">
+  <dgm:title val=""/>
+  <dgm:desc val=""/>
+  <dgm:catLst>
+    <dgm:cat type="list" pri="3000"/>
+    <dgm:cat type="convert" pri="1000"/>
+  </dgm:catLst>
+  <dgm:sampData>
+    <dgm:dataModel>
+      <dgm:ptLst>
+        <dgm:pt modelId="0" type="doc"/>
+        <dgm:pt modelId="1">
+          <dgm:prSet phldr="1"/>
+        </dgm:pt>
+        <dgm:pt modelId="11">
+          <dgm:prSet phldr="1"/>
+        </dgm:pt>
+        <dgm:pt modelId="2">
+          <dgm:prSet phldr="1"/>
+        </dgm:pt>
+        <dgm:pt modelId="21">
+          <dgm:prSet phldr="1"/>
+        </dgm:pt>
+      </dgm:ptLst>
+      <dgm:cxnLst>
+        <dgm:cxn modelId="4" srcId="0" destId="1" srcOrd="0" destOrd="0"/>
+        <dgm:cxn modelId="5" srcId="0" destId="2" srcOrd="1" destOrd="0"/>
+        <dgm:cxn modelId="12" srcId="1" destId="11" srcOrd="0" destOrd="0"/>
+        <dgm:cxn modelId="23" srcId="2" destId="21" srcOrd="0" destOrd="0"/>
+      </dgm:cxnLst>
+      <dgm:bg/>
+      <dgm:whole/>
+    </dgm:dataModel>
+  </dgm:sampData>
+  <dgm:styleData>
+    <dgm:dataModel>
+      <dgm:ptLst>
+        <dgm:pt modelId="0" type="doc"/>
+        <dgm:pt modelId="1"/>
+        <dgm:pt modelId="2"/>
+      </dgm:ptLst>
+      <dgm:cxnLst>
+        <dgm:cxn modelId="3" srcId="0" destId="1" srcOrd="0" destOrd="0"/>
+        <dgm:cxn modelId="4" srcId="0" destId="2" srcOrd="1" destOrd="0"/>
+      </dgm:cxnLst>
+      <dgm:bg/>
+      <dgm:whole/>
+    </dgm:dataModel>
+  </dgm:styleData>
+  <dgm:clrData>
+    <dgm:dataModel>
+      <dgm:ptLst>
+        <dgm:pt modelId="0" type="doc"/>
+        <dgm:pt modelId="1"/>
+        <dgm:pt modelId="2"/>
+        <dgm:pt modelId="3"/>
+        <dgm:pt modelId="4"/>
+      </dgm:ptLst>
+      <dgm:cxnLst>
+        <dgm:cxn modelId="5" srcId="0" destId="1" srcOrd="0" destOrd="0"/>
+        <dgm:cxn modelId="6" srcId="0" destId="2" srcOrd="1" destOrd="0"/>
+        <dgm:cxn modelId="7" srcId="0" destId="3" srcOrd="2" destOrd="0"/>
+        <dgm:cxn modelId="8" srcId="0" destId="4" srcOrd="3" destOrd="0"/>
+      </dgm:cxnLst>
+      <dgm:bg/>
+      <dgm:whole/>
+    </dgm:dataModel>
+  </dgm:clrData>
+  <dgm:layoutNode name="linear">
+    <dgm:varLst>
+      <dgm:animLvl val="lvl"/>
+      <dgm:resizeHandles val="exact"/>
+    </dgm:varLst>
+    <dgm:alg type="lin">
+      <dgm:param type="linDir" val="fromT"/>
+      <dgm:param type="vertAlign" val="mid"/>
+    </dgm:alg>
+    <dgm:shape xmlns:r="http://schemas.openxmlformats.org/officeDocument/2006/relationships" r:blip="">
+      <dgm:adjLst/>
+    </dgm:shape>
+    <dgm:presOf/>
+    <dgm:constrLst>
+      <dgm:constr type="w" for="ch" forName="parentText" refType="w"/>
+      <dgm:constr type="h" for="ch" forName="parentText" refType="primFontSz" refFor="ch" refForName="parentText" fact="0.52"/>
+      <dgm:constr type="w" for="ch" forName="childText" refType="w"/>
+      <dgm:constr type="h" for="ch" forName="childText" refType="primFontSz" refFor="ch" refForName="parentText" fact="0.46"/>
+      <dgm:constr type="h" for="ch" forName="parentText" op="equ"/>
+      <dgm:constr type="primFontSz" for="ch" forName="parentText" op="equ" val="65"/>
+      <dgm:constr type="primFontSz" for="ch" forName="childText" refType="primFontSz" refFor="ch" refForName="parentText" op="equ"/>
+      <dgm:constr type="h" for="ch" forName="spacer" refType="primFontSz" refFor="ch" refForName="parentText" fact="0.08"/>
+    </dgm:constrLst>
+    <dgm:ruleLst>
+      <dgm:rule type="primFontSz" for="ch" forName="parentText" val="5" fact="NaN" max="NaN"/>
+    </dgm:ruleLst>
+    <dgm:forEach name="Name0" axis="ch" ptType="node">
+      <dgm:layoutNode name="parentText" styleLbl="node1">
+        <dgm:varLst>
+          <dgm:chMax val="0"/>
+          <dgm:bulletEnabled val="1"/>
+        </dgm:varLst>
+        <dgm:alg type="tx">
+          <dgm:param type="parTxLTRAlign" val="l"/>
+          <dgm:param type="parTxRTLAlign" val="r"/>
+        </dgm:alg>
+        <dgm:shape xmlns:r="http://schemas.openxmlformats.org/officeDocument/2006/relationships" type="roundRect" r:blip="">
+          <dgm:adjLst/>
+        </dgm:shape>
+        <dgm:presOf axis="self"/>
+        <dgm:constrLst>
+          <dgm:constr type="tMarg" refType="primFontSz" fact="0.3"/>
+          <dgm:constr type="bMarg" refType="primFontSz" fact="0.3"/>
+          <dgm:constr type="lMarg" refType="primFontSz" fact="0.3"/>
+          <dgm:constr type="rMarg" refType="primFontSz" fact="0.3"/>
+        </dgm:constrLst>
+        <dgm:ruleLst>
+          <dgm:rule type="h" val="INF" fact="NaN" max="NaN"/>
+        </dgm:ruleLst>
+      </dgm:layoutNode>
+      <dgm:choose name="Name1">
+        <dgm:if name="Name2" axis="ch" ptType="node" func="cnt" op="gte" val="1">
+          <dgm:layoutNode name="childText" styleLbl="revTx">
+            <dgm:varLst>
+              <dgm:bulletEnabled val="1"/>
+            </dgm:varLst>
+            <dgm:alg type="tx">
+              <dgm:param type="stBulletLvl" val="1"/>
+              <dgm:param type="lnSpAfChP" val="20"/>
+            </dgm:alg>
+            <dgm:shape xmlns:r="http://schemas.openxmlformats.org/officeDocument/2006/relationships" type="rect" r:blip="">
+              <dgm:adjLst/>
+            </dgm:shape>
+            <dgm:presOf axis="des" ptType="node"/>
+            <dgm:constrLst>
+              <dgm:constr type="tMarg" refType="primFontSz" fact="0.1"/>
+              <dgm:constr type="bMarg" refType="primFontSz" fact="0.1"/>
+              <dgm:constr type="lMarg" refType="w" fact="0.09"/>
+            </dgm:constrLst>
+            <dgm:ruleLst>
+              <dgm:rule type="h" val="INF" fact="NaN" max="NaN"/>
+            </dgm:ruleLst>
+          </dgm:layoutNode>
+        </dgm:if>
+        <dgm:else name="Name3">
+          <dgm:choose name="Name4">
+            <dgm:if name="Name5" axis="par ch" ptType="doc node" func="cnt" op="gte" val="2">
+              <dgm:forEach name="Name6" axis="followSib" ptType="sibTrans" cnt="1">
+                <dgm:layoutNode name="spacer">
+                  <dgm:alg type="sp"/>
+                  <dgm:shape xmlns:r="http://schemas.openxmlformats.org/officeDocument/2006/relationships" r:blip="">
+                    <dgm:adjLst/>
+                  </dgm:shape>
+                  <dgm:presOf/>
+                  <dgm:constrLst/>
+                  <dgm:ruleLst/>
+                </dgm:layoutNode>
+              </dgm:forEach>
+            </dgm:if>
+            <dgm:else name="Name7"/>
+          </dgm:choose>
+        </dgm:else>
+      </dgm:choose>
+    </dgm:forEach>
+  </dgm:layoutNode>
+</dgm:layoutDef>
+</file>
+
+<file path=ppt/diagrams/quickStyle1.xml><?xml version="1.0" encoding="utf-8"?>
+<dgm:styleDef xmlns:dgm="http://schemas.openxmlformats.org/drawingml/2006/diagram" xmlns:a="http://schemas.openxmlformats.org/drawingml/2006/main" uniqueId="urn:microsoft.com/office/officeart/2005/8/quickstyle/simple1">
+  <dgm:title val=""/>
+  <dgm:desc val=""/>
+  <dgm:catLst>
+    <dgm:cat type="simple" pri="10100"/>
+  </dgm:catLst>
+  <dgm:scene3d>
+    <a:camera prst="orthographicFront"/>
+    <a:lightRig rig="threePt" dir="t"/>
+  </dgm:scene3d>
+  <dgm:styleLbl name="node0">
+    <dgm:scene3d>
+      <a:camera prst="orthographicFront"/>
+      <a:lightRig rig="threePt" dir="t"/>
+    </dgm:scene3d>
+    <dgm:sp3d/>
+    <dgm:txPr/>
+    <dgm:style>
+      <a:lnRef idx="2">
+        <a:scrgbClr r="0" g="0" b="0"/>
+      </a:lnRef>
+      <a:fillRef idx="1">
+        <a:scrgbClr r="0" g="0" b="0"/>
+      </a:fillRef>
+      <a:effectRef idx="0">
+        <a:scrgbClr r="0" g="0" b="0"/>
+      </a:effectRef>
+      <a:fontRef idx="minor">
+        <a:schemeClr val="lt1"/>
+      </a:fontRef>
+    </dgm:style>
+  </dgm:styleLbl>
+  <dgm:styleLbl name="lnNode1">
+    <dgm:scene3d>
+      <a:camera prst="orthographicFront"/>
+      <a:lightRig rig="threePt" dir="t"/>
+    </dgm:scene3d>
+    <dgm:sp3d/>
+    <dgm:txPr/>
+    <dgm:style>
+      <a:lnRef idx="2">
+        <a:scrgbClr r="0" g="0" b="0"/>
+      </a:lnRef>
+      <a:fillRef idx="1">
+        <a:scrgbClr r="0" g="0" b="0"/>
+      </a:fillRef>
+      <a:effectRef idx="0">
+        <a:scrgbClr r="0" g="0" b="0"/>
+      </a:effectRef>
+      <a:fontRef idx="minor">
+        <a:schemeClr val="lt1"/>
+      </a:fontRef>
+    </dgm:style>
+  </dgm:styleLbl>
+  <dgm:styleLbl name="vennNode1">
+    <dgm:scene3d>
+      <a:camera prst="orthographicFront"/>
+      <a:lightRig rig="threePt" dir="t"/>
+    </dgm:scene3d>
+    <dgm:sp3d/>
+    <dgm:txPr/>
+    <dgm:style>
+      <a:lnRef idx="2">
+        <a:scrgbClr r="0" g="0" b="0"/>
+      </a:lnRef>
+      <a:fillRef idx="1">
+        <a:scrgbClr r="0" g="0" b="0"/>
+      </a:fillRef>
+      <a:effectRef idx="0">
+        <a:scrgbClr r="0" g="0" b="0"/>
+      </a:effectRef>
+      <a:fontRef idx="minor">
+        <a:schemeClr val="tx1"/>
+      </a:fontRef>
+    </dgm:style>
+  </dgm:styleLbl>
+  <dgm:styleLbl name="alignNode1">
+    <dgm:scene3d>
+      <a:camera prst="orthographicFront"/>
+      <a:lightRig rig="threePt" dir="t"/>
+    </dgm:scene3d>
+    <dgm:sp3d/>
+    <dgm:txPr/>
+    <dgm:style>
+      <a:lnRef idx="2">
+        <a:scrgbClr r="0" g="0" b="0"/>
+      </a:lnRef>
+      <a:fillRef idx="1">
+        <a:scrgbClr r="0" g="0" b="0"/>
+      </a:fillRef>
+      <a:effectRef idx="0">
+        <a:scrgbClr r="0" g="0" b="0"/>
+      </a:effectRef>
+      <a:fontRef idx="minor">
+        <a:schemeClr val="lt1"/>
+      </a:fontRef>
+    </dgm:style>
+  </dgm:styleLbl>
+  <dgm:styleLbl name="node1">
+    <dgm:scene3d>
+      <a:camera prst="orthographicFront"/>
+      <a:lightRig rig="threePt" dir="t"/>
+    </dgm:scene3d>
+    <dgm:sp3d/>
+    <dgm:txPr/>
+    <dgm:style>
+      <a:lnRef idx="2">
+        <a:scrgbClr r="0" g="0" b="0"/>
+      </a:lnRef>
+      <a:fillRef idx="1">
+        <a:scrgbClr r="0" g="0" b="0"/>
+      </a:fillRef>
+      <a:effectRef idx="0">
+        <a:scrgbClr r="0" g="0" b="0"/>
+      </a:effectRef>
+      <a:fontRef idx="minor">
+        <a:schemeClr val="lt1"/>
+      </a:fontRef>
+    </dgm:style>
+  </dgm:styleLbl>
+  <dgm:styleLbl name="node2">
+    <dgm:scene3d>
+      <a:camera prst="orthographicFront"/>
+      <a:lightRig rig="threePt" dir="t"/>
+    </dgm:scene3d>
+    <dgm:sp3d/>
+    <dgm:txPr/>
+    <dgm:style>
+      <a:lnRef idx="2">
+        <a:scrgbClr r="0" g="0" b="0"/>
+      </a:lnRef>
+      <a:fillRef idx="1">
+        <a:scrgbClr r="0" g="0" b="0"/>
+      </a:fillRef>
+      <a:effectRef idx="0">
+        <a:scrgbClr r="0" g="0" b="0"/>
+      </a:effectRef>
+      <a:fontRef idx="minor">
+        <a:schemeClr val="lt1"/>
+      </a:fontRef>
+    </dgm:style>
+  </dgm:styleLbl>
+  <dgm:styleLbl name="node3">
+    <dgm:scene3d>
+      <a:camera prst="orthographicFront"/>
+      <a:lightRig rig="threePt" dir="t"/>
+    </dgm:scene3d>
+    <dgm:sp3d/>
+    <dgm:txPr/>
+    <dgm:style>
+      <a:lnRef idx="2">
+        <a:scrgbClr r="0" g="0" b="0"/>
+      </a:lnRef>
+      <a:fillRef idx="1">
+        <a:scrgbClr r="0" g="0" b="0"/>
+      </a:fillRef>
+      <a:effectRef idx="0">
+        <a:scrgbClr r="0" g="0" b="0"/>
+      </a:effectRef>
+      <a:fontRef idx="minor">
+        <a:schemeClr val="lt1"/>
+      </a:fontRef>
+    </dgm:style>
+  </dgm:styleLbl>
+  <dgm:styleLbl name="node4">
+    <dgm:scene3d>
+      <a:camera prst="orthographicFront"/>
+      <a:lightRig rig="threePt" dir="t"/>
+    </dgm:scene3d>
+    <dgm:sp3d/>
+    <dgm:txPr/>
+    <dgm:style>
+      <a:lnRef idx="2">
+        <a:scrgbClr r="0" g="0" b="0"/>
+      </a:lnRef>
+      <a:fillRef idx="1">
+        <a:scrgbClr r="0" g="0" b="0"/>
+      </a:fillRef>
+      <a:effectRef idx="0">
+        <a:scrgbClr r="0" g="0" b="0"/>
+      </a:effectRef>
+      <a:fontRef idx="minor">
+        <a:schemeClr val="lt1"/>
+      </a:fontRef>
+    </dgm:style>
+  </dgm:styleLbl>
+  <dgm:styleLbl name="fgImgPlace1">
+    <dgm:scene3d>
+      <a:camera prst="orthographicFront"/>
+      <a:lightRig rig="threePt" dir="t"/>
+    </dgm:scene3d>
+    <dgm:sp3d/>
+    <dgm:txPr/>
+    <dgm:style>
+      <a:lnRef idx="2">
+        <a:scrgbClr r="0" g="0" b="0"/>
+      </a:lnRef>
+      <a:fillRef idx="1">
+        <a:scrgbClr r="0" g="0" b="0"/>
+      </a:fillRef>
+      <a:effectRef idx="0">
+        <a:scrgbClr r="0" g="0" b="0"/>
+      </a:effectRef>
+      <a:fontRef idx="minor"/>
+    </dgm:style>
+  </dgm:styleLbl>
+  <dgm:styleLbl name="alignImgPlace1">
+    <dgm:scene3d>
+      <a:camera prst="orthographicFront"/>
+      <a:lightRig rig="threePt" dir="t"/>
+    </dgm:scene3d>
+    <dgm:sp3d/>
+    <dgm:txPr/>
+    <dgm:style>
+      <a:lnRef idx="2">
+        <a:scrgbClr r="0" g="0" b="0"/>
+      </a:lnRef>
+      <a:fillRef idx="1">
+        <a:scrgbClr r="0" g="0" b="0"/>
+      </a:fillRef>
+      <a:effectRef idx="0">
+        <a:scrgbClr r="0" g="0" b="0"/>
+      </a:effectRef>
+      <a:fontRef idx="minor"/>
+    </dgm:style>
+  </dgm:styleLbl>
+  <dgm:styleLbl name="bgImgPlace1">
+    <dgm:scene3d>
+      <a:camera prst="orthographicFront"/>
+      <a:lightRig rig="threePt" dir="t"/>
+    </dgm:scene3d>
+    <dgm:sp3d/>
+    <dgm:txPr/>
+    <dgm:style>
+      <a:lnRef idx="2">
+        <a:scrgbClr r="0" g="0" b="0"/>
+      </a:lnRef>
+      <a:fillRef idx="1">
+        <a:scrgbClr r="0" g="0" b="0"/>
+      </a:fillRef>
+      <a:effectRef idx="0">
+        <a:scrgbClr r="0" g="0" b="0"/>
+      </a:effectRef>
+      <a:fontRef idx="minor"/>
+    </dgm:style>
+  </dgm:styleLbl>
+  <dgm:styleLbl name="sibTrans2D1">
+    <dgm:scene3d>
+      <a:camera prst="orthographicFront"/>
+      <a:lightRig rig="threePt" dir="t"/>
+    </dgm:scene3d>
+    <dgm:sp3d/>
+    <dgm:txPr/>
+    <dgm:style>
+      <a:lnRef idx="0">
+        <a:scrgbClr r="0" g="0" b="0"/>
+      </a:lnRef>
+      <a:fillRef idx="1">
+        <a:scrgbClr r="0" g="0" b="0"/>
+      </a:fillRef>
+      <a:effectRef idx="0">
+        <a:scrgbClr r="0" g="0" b="0"/>
+      </a:effectRef>
+      <a:fontRef idx="minor">
+        <a:schemeClr val="lt1"/>
+      </a:fontRef>
+    </dgm:style>
+  </dgm:styleLbl>
+  <dgm:styleLbl name="fgSibTrans2D1">
+    <dgm:scene3d>
+      <a:camera prst="orthographicFront"/>
+      <a:lightRig rig="threePt" dir="t"/>
+    </dgm:scene3d>
+    <dgm:sp3d/>
+    <dgm:txPr/>
+    <dgm:style>
+      <a:lnRef idx="0">
+        <a:scrgbClr r="0" g="0" b="0"/>
+      </a:lnRef>
+      <a:fillRef idx="1">
+        <a:scrgbClr r="0" g="0" b="0"/>
+      </a:fillRef>
+      <a:effectRef idx="0">
+        <a:scrgbClr r="0" g="0" b="0"/>
+      </a:effectRef>
+      <a:fontRef idx="minor">
+        <a:schemeClr val="lt1"/>
+      </a:fontRef>
+    </dgm:style>
+  </dgm:styleLbl>
+  <dgm:styleLbl name="bgSibTrans2D1">
+    <dgm:scene3d>
+      <a:camera prst="orthographicFront"/>
+      <a:lightRig rig="threePt" dir="t"/>
+    </dgm:scene3d>
+    <dgm:sp3d/>
+    <dgm:txPr/>
+    <dgm:style>
+      <a:lnRef idx="0">
+        <a:scrgbClr r="0" g="0" b="0"/>
+      </a:lnRef>
+      <a:fillRef idx="1">
+        <a:scrgbClr r="0" g="0" b="0"/>
+      </a:fillRef>
+      <a:effectRef idx="0">
+        <a:scrgbClr r="0" g="0" b="0"/>
+      </a:effectRef>
+      <a:fontRef idx="minor">
+        <a:schemeClr val="lt1"/>
+      </a:fontRef>
+    </dgm:style>
+  </dgm:styleLbl>
+  <dgm:styleLbl name="sibTrans1D1">
+    <dgm:scene3d>
+      <a:camera prst="orthographicFront"/>
+      <a:lightRig rig="threePt" dir="t"/>
+    </dgm:scene3d>
+    <dgm:sp3d/>
+    <dgm:txPr/>
+    <dgm:style>
+      <a:lnRef idx="1">
+        <a:scrgbClr r="0" g="0" b="0"/>
+      </a:lnRef>
+      <a:fillRef idx="0">
+        <a:scrgbClr r="0" g="0" b="0"/>
+      </a:fillRef>
+      <a:effectRef idx="0">
+        <a:scrgbClr r="0" g="0" b="0"/>
+      </a:effectRef>
+      <a:fontRef idx="minor"/>
+    </dgm:style>
+  </dgm:styleLbl>
+  <dgm:styleLbl name="callout">
+    <dgm:scene3d>
+      <a:camera prst="orthographicFront"/>
+      <a:lightRig rig="threePt" dir="t"/>
+    </dgm:scene3d>
+    <dgm:sp3d/>
+    <dgm:txPr/>
+    <dgm:style>
+      <a:lnRef idx="2">
+        <a:scrgbClr r="0" g="0" b="0"/>
+      </a:lnRef>
+      <a:fillRef idx="1">
+        <a:scrgbClr r="0" g="0" b="0"/>
+      </a:fillRef>
+      <a:effectRef idx="0">
+        <a:scrgbClr r="0" g="0" b="0"/>
+      </a:effectRef>
+      <a:fontRef idx="minor"/>
+    </dgm:style>
+  </dgm:styleLbl>
+  <dgm:styleLbl name="asst0">
+    <dgm:scene3d>
+      <a:camera prst="orthographicFront"/>
+      <a:lightRig rig="threePt" dir="t"/>
+    </dgm:scene3d>
+    <dgm:sp3d/>
+    <dgm:txPr/>
+    <dgm:style>
+      <a:lnRef idx="2">
+        <a:scrgbClr r="0" g="0" b="0"/>
+      </a:lnRef>
+      <a:fillRef idx="1">
+        <a:scrgbClr r="0" g="0" b="0"/>
+      </a:fillRef>
+      <a:effectRef idx="0">
+        <a:scrgbClr r="0" g="0" b="0"/>
+      </a:effectRef>
+      <a:fontRef idx="minor">
+        <a:schemeClr val="lt1"/>
+      </a:fontRef>
+    </dgm:style>
+  </dgm:styleLbl>
+  <dgm:styleLbl name="asst1">
+    <dgm:scene3d>
+      <a:camera prst="orthographicFront"/>
+      <a:lightRig rig="threePt" dir="t"/>
+    </dgm:scene3d>
+    <dgm:sp3d/>
+    <dgm:txPr/>
+    <dgm:style>
+      <a:lnRef idx="2">
+        <a:scrgbClr r="0" g="0" b="0"/>
+      </a:lnRef>
+      <a:fillRef idx="1">
+        <a:scrgbClr r="0" g="0" b="0"/>
+      </a:fillRef>
+      <a:effectRef idx="0">
+        <a:scrgbClr r="0" g="0" b="0"/>
+      </a:effectRef>
+      <a:fontRef idx="minor">
+        <a:schemeClr val="lt1"/>
+      </a:fontRef>
+    </dgm:style>
+  </dgm:styleLbl>
+  <dgm:styleLbl name="asst2">
+    <dgm:scene3d>
+      <a:camera prst="orthographicFront"/>
+      <a:lightRig rig="threePt" dir="t"/>
+    </dgm:scene3d>
+    <dgm:sp3d/>
+    <dgm:txPr/>
+    <dgm:style>
+      <a:lnRef idx="2">
+        <a:scrgbClr r="0" g="0" b="0"/>
+      </a:lnRef>
+      <a:fillRef idx="1">
+        <a:scrgbClr r="0" g="0" b="0"/>
+      </a:fillRef>
+      <a:effectRef idx="0">
+        <a:scrgbClr r="0" g="0" b="0"/>
+      </a:effectRef>
+      <a:fontRef idx="minor">
+        <a:schemeClr val="lt1"/>
+      </a:fontRef>
+    </dgm:style>
+  </dgm:styleLbl>
+  <dgm:styleLbl name="asst3">
+    <dgm:scene3d>
+      <a:camera prst="orthographicFront"/>
+      <a:lightRig rig="threePt" dir="t"/>
+    </dgm:scene3d>
+    <dgm:sp3d/>
+    <dgm:txPr/>
+    <dgm:style>
+      <a:lnRef idx="2">
+        <a:scrgbClr r="0" g="0" b="0"/>
+      </a:lnRef>
+      <a:fillRef idx="1">
+        <a:scrgbClr r="0" g="0" b="0"/>
+      </a:fillRef>
+      <a:effectRef idx="0">
+        <a:scrgbClr r="0" g="0" b="0"/>
+      </a:effectRef>
+      <a:fontRef idx="minor">
+        <a:schemeClr val="lt1"/>
+      </a:fontRef>
+    </dgm:style>
+  </dgm:styleLbl>
+  <dgm:styleLbl name="asst4">
+    <dgm:scene3d>
+      <a:camera prst="orthographicFront"/>
+      <a:lightRig rig="threePt" dir="t"/>
+    </dgm:scene3d>
+    <dgm:sp3d/>
+    <dgm:txPr/>
+    <dgm:style>
+      <a:lnRef idx="2">
+        <a:scrgbClr r="0" g="0" b="0"/>
+      </a:lnRef>
+      <a:fillRef idx="1">
+        <a:scrgbClr r="0" g="0" b="0"/>
+      </a:fillRef>
+      <a:effectRef idx="0">
+        <a:scrgbClr r="0" g="0" b="0"/>
+      </a:effectRef>
+      <a:fontRef idx="minor">
+        <a:schemeClr val="lt1"/>
+      </a:fontRef>
+    </dgm:style>
+  </dgm:styleLbl>
+  <dgm:styleLbl name="parChTrans2D1">
+    <dgm:scene3d>
+      <a:camera prst="orthographicFront"/>
+      <a:lightRig rig="threePt" dir="t"/>
+    </dgm:scene3d>
+    <dgm:sp3d/>
+    <dgm:txPr/>
+    <dgm:style>
+      <a:lnRef idx="2">
+        <a:scrgbClr r="0" g="0" b="0"/>
+      </a:lnRef>
+      <a:fillRef idx="1">
+        <a:scrgbClr r="0" g="0" b="0"/>
+      </a:fillRef>
+      <a:effectRef idx="0">
+        <a:scrgbClr r="0" g="0" b="0"/>
+      </a:effectRef>
+      <a:fontRef idx="minor">
+        <a:schemeClr val="lt1"/>
+      </a:fontRef>
+    </dgm:style>
+  </dgm:styleLbl>
+  <dgm:styleLbl name="parChTrans2D2">
+    <dgm:scene3d>
+      <a:camera prst="orthographicFront"/>
+      <a:lightRig rig="threePt" dir="t"/>
+    </dgm:scene3d>
+    <dgm:sp3d/>
+    <dgm:txPr/>
+    <dgm:style>
+      <a:lnRef idx="2">
+        <a:scrgbClr r="0" g="0" b="0"/>
+      </a:lnRef>
+      <a:fillRef idx="1">
+        <a:scrgbClr r="0" g="0" b="0"/>
+      </a:fillRef>
+      <a:effectRef idx="0">
+        <a:scrgbClr r="0" g="0" b="0"/>
+      </a:effectRef>
+      <a:fontRef idx="minor">
+        <a:schemeClr val="lt1"/>
+      </a:fontRef>
+    </dgm:style>
+  </dgm:styleLbl>
+  <dgm:styleLbl name="parChTrans2D3">
+    <dgm:scene3d>
+      <a:camera prst="orthographicFront"/>
+      <a:lightRig rig="threePt" dir="t"/>
+    </dgm:scene3d>
+    <dgm:sp3d/>
+    <dgm:txPr/>
+    <dgm:style>
+      <a:lnRef idx="2">
+        <a:scrgbClr r="0" g="0" b="0"/>
+      </a:lnRef>
+      <a:fillRef idx="1">
+        <a:scrgbClr r="0" g="0" b="0"/>
+      </a:fillRef>
+      <a:effectRef idx="0">
+        <a:scrgbClr r="0" g="0" b="0"/>
+      </a:effectRef>
+      <a:fontRef idx="minor">
+        <a:schemeClr val="lt1"/>
+      </a:fontRef>
+    </dgm:style>
+  </dgm:styleLbl>
+  <dgm:styleLbl name="parChTrans2D4">
+    <dgm:scene3d>
+      <a:camera prst="orthographicFront"/>
+      <a:lightRig rig="threePt" dir="t"/>
+    </dgm:scene3d>
+    <dgm:sp3d/>
+    <dgm:txPr/>
+    <dgm:style>
+      <a:lnRef idx="2">
+        <a:scrgbClr r="0" g="0" b="0"/>
+      </a:lnRef>
+      <a:fillRef idx="1">
+        <a:scrgbClr r="0" g="0" b="0"/>
+      </a:fillRef>
+      <a:effectRef idx="0">
+        <a:scrgbClr r="0" g="0" b="0"/>
+      </a:effectRef>
+      <a:fontRef idx="minor">
+        <a:schemeClr val="lt1"/>
+      </a:fontRef>
+    </dgm:style>
+  </dgm:styleLbl>
+  <dgm:styleLbl name="parChTrans1D1">
+    <dgm:scene3d>
+      <a:camera prst="orthographicFront"/>
+      <a:lightRig rig="threePt" dir="t"/>
+    </dgm:scene3d>
+    <dgm:sp3d/>
+    <dgm:txPr/>
+    <dgm:style>
+      <a:lnRef idx="2">
+        <a:scrgbClr r="0" g="0" b="0"/>
+      </a:lnRef>
+      <a:fillRef idx="0">
+        <a:scrgbClr r="0" g="0" b="0"/>
+      </a:fillRef>
+      <a:effectRef idx="0">
+        <a:scrgbClr r="0" g="0" b="0"/>
+      </a:effectRef>
+      <a:fontRef idx="minor"/>
+    </dgm:style>
+  </dgm:styleLbl>
+  <dgm:styleLbl name="parChTrans1D2">
+    <dgm:scene3d>
+      <a:camera prst="orthographicFront"/>
+      <a:lightRig rig="threePt" dir="t"/>
+    </dgm:scene3d>
+    <dgm:sp3d/>
+    <dgm:txPr/>
+    <dgm:style>
+      <a:lnRef idx="2">
+        <a:scrgbClr r="0" g="0" b="0"/>
+      </a:lnRef>
+      <a:fillRef idx="0">
+        <a:scrgbClr r="0" g="0" b="0"/>
+      </a:fillRef>
+      <a:effectRef idx="0">
+        <a:scrgbClr r="0" g="0" b="0"/>
+      </a:effectRef>
+      <a:fontRef idx="minor"/>
+    </dgm:style>
+  </dgm:styleLbl>
+  <dgm:styleLbl name="parChTrans1D3">
+    <dgm:scene3d>
+      <a:camera prst="orthographicFront"/>
+      <a:lightRig rig="threePt" dir="t"/>
+    </dgm:scene3d>
+    <dgm:sp3d/>
+    <dgm:txPr/>
+    <dgm:style>
+      <a:lnRef idx="2">
+        <a:scrgbClr r="0" g="0" b="0"/>
+      </a:lnRef>
+      <a:fillRef idx="0">
+        <a:scrgbClr r="0" g="0" b="0"/>
+      </a:fillRef>
+      <a:effectRef idx="0">
+        <a:scrgbClr r="0" g="0" b="0"/>
+      </a:effectRef>
+      <a:fontRef idx="minor"/>
+    </dgm:style>
+  </dgm:styleLbl>
+  <dgm:styleLbl name="parChTrans1D4">
+    <dgm:scene3d>
+      <a:camera prst="orthographicFront"/>
+      <a:lightRig rig="threePt" dir="t"/>
+    </dgm:scene3d>
+    <dgm:sp3d/>
+    <dgm:txPr/>
+    <dgm:style>
+      <a:lnRef idx="2">
+        <a:scrgbClr r="0" g="0" b="0"/>
+      </a:lnRef>
+      <a:fillRef idx="0">
+        <a:scrgbClr r="0" g="0" b="0"/>
+      </a:fillRef>
+      <a:effectRef idx="0">
+        <a:scrgbClr r="0" g="0" b="0"/>
+      </a:effectRef>
+      <a:fontRef idx="minor"/>
+    </dgm:style>
+  </dgm:styleLbl>
+  <dgm:styleLbl name="fgAcc1">
+    <dgm:scene3d>
+      <a:camera prst="orthographicFront"/>
+      <a:lightRig rig="threePt" dir="t"/>
+    </dgm:scene3d>
+    <dgm:sp3d/>
+    <dgm:txPr/>
+    <dgm:style>
+      <a:lnRef idx="2">
+        <a:scrgbClr r="0" g="0" b="0"/>
+      </a:lnRef>
+      <a:fillRef idx="1">
+        <a:scrgbClr r="0" g="0" b="0"/>
+      </a:fillRef>
+      <a:effectRef idx="0">
+        <a:scrgbClr r="0" g="0" b="0"/>
+      </a:effectRef>
+      <a:fontRef idx="minor"/>
+    </dgm:style>
+  </dgm:styleLbl>
+  <dgm:styleLbl name="conFgAcc1">
+    <dgm:scene3d>
+      <a:camera prst="orthographicFront"/>
+      <a:lightRig rig="threePt" dir="t"/>
+    </dgm:scene3d>
+    <dgm:sp3d/>
+    <dgm:txPr/>
+    <dgm:style>
+      <a:lnRef idx="2">
+        <a:scrgbClr r="0" g="0" b="0"/>
+      </a:lnRef>
+      <a:fillRef idx="1">
+        <a:scrgbClr r="0" g="0" b="0"/>
+      </a:fillRef>
+      <a:effectRef idx="0">
+        <a:scrgbClr r="0" g="0" b="0"/>
+      </a:effectRef>
+      <a:fontRef idx="minor"/>
+    </dgm:style>
+  </dgm:styleLbl>
+  <dgm:styleLbl name="alignAcc1">
+    <dgm:scene3d>
+      <a:camera prst="orthographicFront"/>
+      <a:lightRig rig="threePt" dir="t"/>
+    </dgm:scene3d>
+    <dgm:sp3d/>
+    <dgm:txPr/>
+    <dgm:style>
+      <a:lnRef idx="2">
+        <a:scrgbClr r="0" g="0" b="0"/>
+      </a:lnRef>
+      <a:fillRef idx="1">
+        <a:scrgbClr r="0" g="0" b="0"/>
+      </a:fillRef>
+      <a:effectRef idx="0">
+        <a:scrgbClr r="0" g="0" b="0"/>
+      </a:effectRef>
+      <a:fontRef idx="minor"/>
+    </dgm:style>
+  </dgm:styleLbl>
+  <dgm:styleLbl name="trAlignAcc1">
+    <dgm:scene3d>
+      <a:camera prst="orthographicFront"/>
+      <a:lightRig rig="threePt" dir="t"/>
+    </dgm:scene3d>
+    <dgm:sp3d/>
+    <dgm:txPr/>
+    <dgm:style>
+      <a:lnRef idx="1">
+        <a:scrgbClr r="0" g="0" b="0"/>
+      </a:lnRef>
+      <a:fillRef idx="1">
+        <a:scrgbClr r="0" g="0" b="0"/>
+      </a:fillRef>
+      <a:effectRef idx="0">
+        <a:scrgbClr r="0" g="0" b="0"/>
+      </a:effectRef>
+      <a:fontRef idx="minor"/>
+    </dgm:style>
+  </dgm:styleLbl>
+  <dgm:styleLbl name="bgAcc1">
+    <dgm:scene3d>
+      <a:camera prst="orthographicFront"/>
+      <a:lightRig rig="threePt" dir="t"/>
+    </dgm:scene3d>
+    <dgm:sp3d/>
+    <dgm:txPr/>
+    <dgm:style>
+      <a:lnRef idx="2">
+        <a:scrgbClr r="0" g="0" b="0"/>
+      </a:lnRef>
+      <a:fillRef idx="1">
+        <a:scrgbClr r="0" g="0" b="0"/>
+      </a:fillRef>
+      <a:effectRef idx="0">
+        <a:scrgbClr r="0" g="0" b="0"/>
+      </a:effectRef>
+      <a:fontRef idx="minor"/>
+    </dgm:style>
+  </dgm:styleLbl>
+  <dgm:styleLbl name="solidFgAcc1">
+    <dgm:scene3d>
+      <a:camera prst="orthographicFront"/>
+      <a:lightRig rig="threePt" dir="t"/>
+    </dgm:scene3d>
+    <dgm:sp3d/>
+    <dgm:txPr/>
+    <dgm:style>
+      <a:lnRef idx="2">
+        <a:scrgbClr r="0" g="0" b="0"/>
+      </a:lnRef>
+      <a:fillRef idx="1">
+        <a:scrgbClr r="0" g="0" b="0"/>
+      </a:fillRef>
+      <a:effectRef idx="0">
+        <a:scrgbClr r="0" g="0" b="0"/>
+      </a:effectRef>
+      <a:fontRef idx="minor"/>
+    </dgm:style>
+  </dgm:styleLbl>
+  <dgm:styleLbl name="solidAlignAcc1">
+    <dgm:scene3d>
+      <a:camera prst="orthographicFront"/>
+      <a:lightRig rig="threePt" dir="t"/>
+    </dgm:scene3d>
+    <dgm:sp3d/>
+    <dgm:txPr/>
+    <dgm:style>
+      <a:lnRef idx="2">
+        <a:scrgbClr r="0" g="0" b="0"/>
+      </a:lnRef>
+      <a:fillRef idx="1">
+        <a:scrgbClr r="0" g="0" b="0"/>
+      </a:fillRef>
+      <a:effectRef idx="0">
+        <a:scrgbClr r="0" g="0" b="0"/>
+      </a:effectRef>
+      <a:fontRef idx="minor"/>
+    </dgm:style>
+  </dgm:styleLbl>
+  <dgm:styleLbl name="solidBgAcc1">
+    <dgm:scene3d>
+      <a:camera prst="orthographicFront"/>
+      <a:lightRig rig="threePt" dir="t"/>
+    </dgm:scene3d>
+    <dgm:sp3d/>
+    <dgm:txPr/>
+    <dgm:style>
+      <a:lnRef idx="2">
+        <a:scrgbClr r="0" g="0" b="0"/>
+      </a:lnRef>
+      <a:fillRef idx="1">
+        <a:scrgbClr r="0" g="0" b="0"/>
+      </a:fillRef>
+      <a:effectRef idx="0">
+        <a:scrgbClr r="0" g="0" b="0"/>
+      </a:effectRef>
+      <a:fontRef idx="minor"/>
+    </dgm:style>
+  </dgm:styleLbl>
+  <dgm:styleLbl name="fgAccFollowNode1">
+    <dgm:scene3d>
+      <a:camera prst="orthographicFront"/>
+      <a:lightRig rig="threePt" dir="t"/>
+    </dgm:scene3d>
+    <dgm:sp3d/>
+    <dgm:txPr/>
+    <dgm:style>
+      <a:lnRef idx="2">
+        <a:scrgbClr r="0" g="0" b="0"/>
+      </a:lnRef>
+      <a:fillRef idx="1">
+        <a:scrgbClr r="0" g="0" b="0"/>
+      </a:fillRef>
+      <a:effectRef idx="0">
+        <a:scrgbClr r="0" g="0" b="0"/>
+      </a:effectRef>
+      <a:fontRef idx="minor"/>
+    </dgm:style>
+  </dgm:styleLbl>
+  <dgm:styleLbl name="alignAccFollowNode1">
+    <dgm:scene3d>
+      <a:camera prst="orthographicFront"/>
+      <a:lightRig rig="threePt" dir="t"/>
+    </dgm:scene3d>
+    <dgm:sp3d/>
+    <dgm:txPr/>
+    <dgm:style>
+      <a:lnRef idx="2">
+        <a:scrgbClr r="0" g="0" b="0"/>
+      </a:lnRef>
+      <a:fillRef idx="1">
+        <a:scrgbClr r="0" g="0" b="0"/>
+      </a:fillRef>
+      <a:effectRef idx="0">
+        <a:scrgbClr r="0" g="0" b="0"/>
+      </a:effectRef>
+      <a:fontRef idx="minor"/>
+    </dgm:style>
+  </dgm:styleLbl>
+  <dgm:styleLbl name="bgAccFollowNode1">
+    <dgm:scene3d>
+      <a:camera prst="orthographicFront"/>
+      <a:lightRig rig="threePt" dir="t"/>
+    </dgm:scene3d>
+    <dgm:sp3d/>
+    <dgm:txPr/>
+    <dgm:style>
+      <a:lnRef idx="2">
+        <a:scrgbClr r="0" g="0" b="0"/>
+      </a:lnRef>
+      <a:fillRef idx="1">
+        <a:scrgbClr r="0" g="0" b="0"/>
+      </a:fillRef>
+      <a:effectRef idx="0">
+        <a:scrgbClr r="0" g="0" b="0"/>
+      </a:effectRef>
+      <a:fontRef idx="minor"/>
+    </dgm:style>
+  </dgm:styleLbl>
+  <dgm:styleLbl name="fgAcc0">
+    <dgm:scene3d>
+      <a:camera prst="orthographicFront"/>
+      <a:lightRig rig="threePt" dir="t"/>
+    </dgm:scene3d>
+    <dgm:sp3d/>
+    <dgm:txPr/>
+    <dgm:style>
+      <a:lnRef idx="2">
+        <a:scrgbClr r="0" g="0" b="0"/>
+      </a:lnRef>
+      <a:fillRef idx="1">
+        <a:scrgbClr r="0" g="0" b="0"/>
+      </a:fillRef>
+      <a:effectRef idx="0">
+        <a:scrgbClr r="0" g="0" b="0"/>
+      </a:effectRef>
+      <a:fontRef idx="minor"/>
+    </dgm:style>
+  </dgm:styleLbl>
+  <dgm:styleLbl name="fgAcc2">
+    <dgm:scene3d>
+      <a:camera prst="orthographicFront"/>
+      <a:lightRig rig="threePt" dir="t"/>
+    </dgm:scene3d>
+    <dgm:sp3d/>
+    <dgm:txPr/>
+    <dgm:style>
+      <a:lnRef idx="2">
+        <a:scrgbClr r="0" g="0" b="0"/>
+      </a:lnRef>
+      <a:fillRef idx="1">
+        <a:scrgbClr r="0" g="0" b="0"/>
+      </a:fillRef>
+      <a:effectRef idx="0">
+        <a:scrgbClr r="0" g="0" b="0"/>
+      </a:effectRef>
+      <a:fontRef idx="minor"/>
+    </dgm:style>
+  </dgm:styleLbl>
+  <dgm:styleLbl name="fgAcc3">
+    <dgm:scene3d>
+      <a:camera prst="orthographicFront"/>
+      <a:lightRig rig="threePt" dir="t"/>
+    </dgm:scene3d>
+    <dgm:sp3d/>
+    <dgm:txPr/>
+    <dgm:style>
+      <a:lnRef idx="2">
+        <a:scrgbClr r="0" g="0" b="0"/>
+      </a:lnRef>
+      <a:fillRef idx="1">
+        <a:scrgbClr r="0" g="0" b="0"/>
+      </a:fillRef>
+      <a:effectRef idx="0">
+        <a:scrgbClr r="0" g="0" b="0"/>
+      </a:effectRef>
+      <a:fontRef idx="minor"/>
+    </dgm:style>
+  </dgm:styleLbl>
+  <dgm:styleLbl name="fgAcc4">
+    <dgm:scene3d>
+      <a:camera prst="orthographicFront"/>
+      <a:lightRig rig="threePt" dir="t"/>
+    </dgm:scene3d>
+    <dgm:sp3d/>
+    <dgm:txPr/>
+    <dgm:style>
+      <a:lnRef idx="2">
+        <a:scrgbClr r="0" g="0" b="0"/>
+      </a:lnRef>
+      <a:fillRef idx="1">
+        <a:scrgbClr r="0" g="0" b="0"/>
+      </a:fillRef>
+      <a:effectRef idx="0">
+        <a:scrgbClr r="0" g="0" b="0"/>
+      </a:effectRef>
+      <a:fontRef idx="minor"/>
+    </dgm:style>
+  </dgm:styleLbl>
+  <dgm:styleLbl name="bgShp">
+    <dgm:scene3d>
+      <a:camera prst="orthographicFront"/>
+      <a:lightRig rig="threePt" dir="t"/>
+    </dgm:scene3d>
+    <dgm:sp3d/>
+    <dgm:txPr/>
+    <dgm:style>
+      <a:lnRef idx="0">
+        <a:scrgbClr r="0" g="0" b="0"/>
+      </a:lnRef>
+      <a:fillRef idx="1">
+        <a:scrgbClr r="0" g="0" b="0"/>
+      </a:fillRef>
+      <a:effectRef idx="0">
+        <a:scrgbClr r="0" g="0" b="0"/>
+      </a:effectRef>
+      <a:fontRef idx="minor"/>
+    </dgm:style>
+  </dgm:styleLbl>
+  <dgm:styleLbl name="dkBgShp">
+    <dgm:scene3d>
+      <a:camera prst="orthographicFront"/>
+      <a:lightRig rig="threePt" dir="t"/>
+    </dgm:scene3d>
+    <dgm:sp3d/>
+    <dgm:txPr/>
+    <dgm:style>
+      <a:lnRef idx="0">
+        <a:scrgbClr r="0" g="0" b="0"/>
+      </a:lnRef>
+      <a:fillRef idx="1">
+        <a:scrgbClr r="0" g="0" b="0"/>
+      </a:fillRef>
+      <a:effectRef idx="0">
+        <a:scrgbClr r="0" g="0" b="0"/>
+      </a:effectRef>
+      <a:fontRef idx="minor"/>
+    </dgm:style>
+  </dgm:styleLbl>
+  <dgm:styleLbl name="trBgShp">
+    <dgm:scene3d>
+      <a:camera prst="orthographicFront"/>
+      <a:lightRig rig="threePt" dir="t"/>
+    </dgm:scene3d>
+    <dgm:sp3d/>
+    <dgm:txPr/>
+    <dgm:style>
+      <a:lnRef idx="0">
+        <a:scrgbClr r="0" g="0" b="0"/>
+      </a:lnRef>
+      <a:fillRef idx="1">
+        <a:scrgbClr r="0" g="0" b="0"/>
+      </a:fillRef>
+      <a:effectRef idx="0">
+        <a:scrgbClr r="0" g="0" b="0"/>
+      </a:effectRef>
+      <a:fontRef idx="minor"/>
+    </dgm:style>
+  </dgm:styleLbl>
+  <dgm:styleLbl name="fgShp">
+    <dgm:scene3d>
+      <a:camera prst="orthographicFront"/>
+      <a:lightRig rig="threePt" dir="t"/>
+    </dgm:scene3d>
+    <dgm:sp3d/>
+    <dgm:txPr/>
+    <dgm:style>
+      <a:lnRef idx="2">
+        <a:scrgbClr r="0" g="0" b="0"/>
+      </a:lnRef>
+      <a:fillRef idx="1">
+        <a:scrgbClr r="0" g="0" b="0"/>
+      </a:fillRef>
+      <a:effectRef idx="0">
+        <a:scrgbClr r="0" g="0" b="0"/>
+      </a:effectRef>
+      <a:fontRef idx="minor"/>
+    </dgm:style>
+  </dgm:styleLbl>
+  <dgm:styleLbl name="revTx">
+    <dgm:scene3d>
+      <a:camera prst="orthographicFront"/>
+      <a:lightRig rig="threePt" dir="t"/>
+    </dgm:scene3d>
+    <dgm:sp3d/>
+    <dgm:txPr/>
+    <dgm:style>
+      <a:lnRef idx="0">
+        <a:scrgbClr r="0" g="0" b="0"/>
+      </a:lnRef>
+      <a:fillRef idx="0">
+        <a:scrgbClr r="0" g="0" b="0"/>
+      </a:fillRef>
+      <a:effectRef idx="0">
+        <a:scrgbClr r="0" g="0" b="0"/>
+      </a:effectRef>
+      <a:fontRef idx="minor"/>
+    </dgm:style>
+  </dgm:styleLbl>
+</dgm:styleDef>
 </file>
 
 <file path=ppt/slideLayouts/slideLayout1.xml><?xml version="1.0" encoding="utf-8"?>
@@ -3153,150 +5716,6 @@
 </p:sld>
 </file>
 
-<file path=ppt/slides/slide10.xml><?xml version="1.0" encoding="utf-8"?>
-<p:sld xmlns:a="http://schemas.openxmlformats.org/drawingml/2006/main" xmlns:r="http://schemas.openxmlformats.org/officeDocument/2006/relationships" xmlns:p="http://schemas.openxmlformats.org/presentationml/2006/main">
-  <p:cSld name="Slide 7">
-    <p:bg>
-      <p:bgPr>
-        <a:solidFill>
-          <a:srgbClr val="FFFFFF"/>
-        </a:solidFill>
-        <a:effectLst/>
-      </p:bgPr>
-    </p:bg>
-    <p:spTree>
-      <p:nvGrpSpPr>
-        <p:cNvPr id="1" name=""/>
-        <p:cNvGrpSpPr/>
-        <p:nvPr/>
-      </p:nvGrpSpPr>
-      <p:grpSpPr>
-        <a:xfrm>
-          <a:off x="0" y="0"/>
-          <a:ext cx="0" cy="0"/>
-          <a:chOff x="0" y="0"/>
-          <a:chExt cx="0" cy="0"/>
-        </a:xfrm>
-      </p:grpSpPr>
-      <p:grpSp>
-        <p:nvGrpSpPr>
-          <p:cNvPr id="1001" name="그룹 1001"/>
-          <p:cNvGrpSpPr/>
-          <p:nvPr/>
-        </p:nvGrpSpPr>
-        <p:grpSpPr>
-          <a:xfrm>
-            <a:off x="-342857" y="1405489"/>
-            <a:ext cx="14368253" cy="7474736"/>
-            <a:chOff x="-342857" y="1405489"/>
-            <a:chExt cx="14368253" cy="7474736"/>
-          </a:xfrm>
-        </p:grpSpPr>
-        <p:pic>
-          <p:nvPicPr>
-            <p:cNvPr id="3" name="Object 2"/>
-            <p:cNvPicPr>
-              <a:picLocks noChangeAspect="1"/>
-            </p:cNvPicPr>
-            <p:nvPr/>
-          </p:nvPicPr>
-          <p:blipFill>
-            <a:blip r:embed="rId2" cstate="print"/>
-            <a:stretch>
-              <a:fillRect/>
-            </a:stretch>
-          </p:blipFill>
-          <p:spPr>
-            <a:xfrm>
-              <a:off x="-815226" y="933120"/>
-              <a:ext cx="12597741" cy="5315537"/>
-            </a:xfrm>
-            <a:prstGeom prst="rect">
-              <a:avLst/>
-            </a:prstGeom>
-          </p:spPr>
-        </p:pic>
-        <p:pic>
-          <p:nvPicPr>
-            <p:cNvPr id="4" name="Object 3"/>
-            <p:cNvPicPr>
-              <a:picLocks noChangeAspect="1"/>
-            </p:cNvPicPr>
-            <p:nvPr/>
-          </p:nvPicPr>
-          <p:blipFill>
-            <a:blip r:embed="rId3" cstate="print"/>
-            <a:stretch>
-              <a:fillRect/>
-            </a:stretch>
-          </p:blipFill>
-          <p:spPr>
-            <a:xfrm>
-              <a:off x="6565726" y="3999077"/>
-              <a:ext cx="8290755" cy="5346290"/>
-            </a:xfrm>
-            <a:prstGeom prst="rect">
-              <a:avLst/>
-            </a:prstGeom>
-          </p:spPr>
-        </p:pic>
-      </p:grpSp>
-      <p:pic>
-        <p:nvPicPr>
-          <p:cNvPr id="6" name="Object 5"/>
-          <p:cNvPicPr>
-            <a:picLocks noChangeAspect="1"/>
-          </p:cNvPicPr>
-          <p:nvPr/>
-        </p:nvPicPr>
-        <p:blipFill>
-          <a:blip r:embed="rId4" cstate="print"/>
-          <a:stretch>
-            <a:fillRect/>
-          </a:stretch>
-        </p:blipFill>
-        <p:spPr>
-          <a:xfrm>
-            <a:off x="3946667" y="439843"/>
-            <a:ext cx="6875551" cy="437924"/>
-          </a:xfrm>
-          <a:prstGeom prst="rect">
-            <a:avLst/>
-          </a:prstGeom>
-        </p:spPr>
-      </p:pic>
-      <p:pic>
-        <p:nvPicPr>
-          <p:cNvPr id="7" name="Object 6"/>
-          <p:cNvPicPr>
-            <a:picLocks noChangeAspect="1"/>
-          </p:cNvPicPr>
-          <p:nvPr/>
-        </p:nvPicPr>
-        <p:blipFill>
-          <a:blip r:embed="rId5" cstate="print"/>
-          <a:stretch>
-            <a:fillRect/>
-          </a:stretch>
-        </p:blipFill>
-        <p:spPr>
-          <a:xfrm>
-            <a:off x="3946667" y="9557173"/>
-            <a:ext cx="8042832" cy="437924"/>
-          </a:xfrm>
-          <a:prstGeom prst="rect">
-            <a:avLst/>
-          </a:prstGeom>
-        </p:spPr>
-      </p:pic>
-    </p:spTree>
-  </p:cSld>
-  <p:clrMapOvr>
-    <a:masterClrMapping/>
-  </p:clrMapOvr>
-</p:sld>
-</file>
-
 <file path=ppt/slides/slide2.xml><?xml version="1.0" encoding="utf-8"?>
 <p:sld xmlns:a="http://schemas.openxmlformats.org/drawingml/2006/main" xmlns:r="http://schemas.openxmlformats.org/officeDocument/2006/relationships" xmlns:p="http://schemas.openxmlformats.org/presentationml/2006/main">
   <p:cSld name="Slide 2">
@@ -3629,92 +6048,6 @@
 
 <file path=ppt/slides/slide4.xml><?xml version="1.0" encoding="utf-8"?>
 <p:sld xmlns:a="http://schemas.openxmlformats.org/drawingml/2006/main" xmlns:r="http://schemas.openxmlformats.org/officeDocument/2006/relationships" xmlns:p="http://schemas.openxmlformats.org/presentationml/2006/main">
-  <p:cSld>
-    <p:bg>
-      <p:bgPr>
-        <a:solidFill>
-          <a:srgbClr val="FFFFFF"/>
-        </a:solidFill>
-        <a:effectLst/>
-      </p:bgPr>
-    </p:bg>
-    <p:spTree>
-      <p:nvGrpSpPr>
-        <p:cNvPr id="1" name=""/>
-        <p:cNvGrpSpPr/>
-        <p:nvPr/>
-      </p:nvGrpSpPr>
-      <p:grpSpPr>
-        <a:xfrm>
-          <a:off x="0" y="0"/>
-          <a:ext cx="0" cy="0"/>
-          <a:chOff x="0" y="0"/>
-          <a:chExt cx="0" cy="0"/>
-        </a:xfrm>
-      </p:grpSpPr>
-      <p:pic>
-        <p:nvPicPr>
-          <p:cNvPr id="2" name="Object 1"/>
-          <p:cNvPicPr>
-            <a:picLocks noChangeAspect="1"/>
-          </p:cNvPicPr>
-          <p:nvPr/>
-        </p:nvPicPr>
-        <p:blipFill>
-          <a:blip r:embed="rId2" cstate="print"/>
-          <a:stretch>
-            <a:fillRect/>
-          </a:stretch>
-        </p:blipFill>
-        <p:spPr>
-          <a:xfrm>
-            <a:off x="3946667" y="439844"/>
-            <a:ext cx="7234494" cy="386251"/>
-          </a:xfrm>
-          <a:prstGeom prst="rect">
-            <a:avLst/>
-          </a:prstGeom>
-        </p:spPr>
-      </p:pic>
-      <p:pic>
-        <p:nvPicPr>
-          <p:cNvPr id="3" name="Object 2"/>
-          <p:cNvPicPr>
-            <a:picLocks noChangeAspect="1"/>
-          </p:cNvPicPr>
-          <p:nvPr/>
-        </p:nvPicPr>
-        <p:blipFill>
-          <a:blip r:embed="rId3" cstate="print"/>
-          <a:stretch>
-            <a:fillRect/>
-          </a:stretch>
-        </p:blipFill>
-        <p:spPr>
-          <a:xfrm>
-            <a:off x="3946667" y="9554352"/>
-            <a:ext cx="6859551" cy="440715"/>
-          </a:xfrm>
-          <a:prstGeom prst="rect">
-            <a:avLst/>
-          </a:prstGeom>
-        </p:spPr>
-      </p:pic>
-    </p:spTree>
-    <p:extLst>
-      <p:ext uri="{BB962C8B-B14F-4D97-AF65-F5344CB8AC3E}">
-        <p14:creationId xmlns:p14="http://schemas.microsoft.com/office/powerpoint/2010/main" val="3745840324"/>
-      </p:ext>
-    </p:extLst>
-  </p:cSld>
-  <p:clrMapOvr>
-    <a:masterClrMapping/>
-  </p:clrMapOvr>
-</p:sld>
-</file>
-
-<file path=ppt/slides/slide5.xml><?xml version="1.0" encoding="utf-8"?>
-<p:sld xmlns:a="http://schemas.openxmlformats.org/drawingml/2006/main" xmlns:r="http://schemas.openxmlformats.org/officeDocument/2006/relationships" xmlns:p="http://schemas.openxmlformats.org/presentationml/2006/main">
   <p:cSld name="Slide 4">
     <p:bg>
       <p:bgPr>
@@ -3786,6 +6119,34 @@
           </a:prstGeom>
         </p:spPr>
       </p:pic>
+      <p:graphicFrame>
+        <p:nvGraphicFramePr>
+          <p:cNvPr id="4" name="다이어그램 3">
+            <a:extLst>
+              <a:ext uri="{FF2B5EF4-FFF2-40B4-BE49-F238E27FC236}">
+                <a16:creationId xmlns:a16="http://schemas.microsoft.com/office/drawing/2014/main" id="{E6980D77-4A79-49A1-BAD1-A9AA9005E9FB}"/>
+              </a:ext>
+            </a:extLst>
+          </p:cNvPr>
+          <p:cNvGraphicFramePr/>
+          <p:nvPr>
+            <p:extLst>
+              <p:ext uri="{D42A27DB-BD31-4B8C-83A1-F6EECF244321}">
+                <p14:modId xmlns:p14="http://schemas.microsoft.com/office/powerpoint/2010/main" val="2059568947"/>
+              </p:ext>
+            </p:extLst>
+          </p:nvPr>
+        </p:nvGraphicFramePr>
+        <p:xfrm>
+          <a:off x="3048000" y="1079500"/>
+          <a:ext cx="12192000" cy="8128000"/>
+        </p:xfrm>
+        <a:graphic>
+          <a:graphicData uri="http://schemas.openxmlformats.org/drawingml/2006/diagram">
+            <dgm:relIds xmlns:dgm="http://schemas.openxmlformats.org/drawingml/2006/diagram" xmlns:r="http://schemas.openxmlformats.org/officeDocument/2006/relationships" r:dm="rId4" r:lo="rId5" r:qs="rId6" r:cs="rId7"/>
+          </a:graphicData>
+        </a:graphic>
+      </p:graphicFrame>
     </p:spTree>
   </p:cSld>
   <p:clrMapOvr>
@@ -3794,7 +6155,7 @@
 </p:sld>
 </file>
 
-<file path=ppt/slides/slide6.xml><?xml version="1.0" encoding="utf-8"?>
+<file path=ppt/slides/slide5.xml><?xml version="1.0" encoding="utf-8"?>
 <p:sld xmlns:a="http://schemas.openxmlformats.org/drawingml/2006/main" xmlns:r="http://schemas.openxmlformats.org/officeDocument/2006/relationships" xmlns:p="http://schemas.openxmlformats.org/presentationml/2006/main">
   <p:cSld>
     <p:bg>
@@ -3940,7 +6301,7 @@
 </p:sld>
 </file>
 
-<file path=ppt/slides/slide7.xml><?xml version="1.0" encoding="utf-8"?>
+<file path=ppt/slides/slide6.xml><?xml version="1.0" encoding="utf-8"?>
 <p:sld xmlns:a="http://schemas.openxmlformats.org/drawingml/2006/main" xmlns:r="http://schemas.openxmlformats.org/officeDocument/2006/relationships" xmlns:p="http://schemas.openxmlformats.org/presentationml/2006/main">
   <p:cSld>
     <p:bg>
@@ -4026,7 +6387,7 @@
 </p:sld>
 </file>
 
-<file path=ppt/slides/slide8.xml><?xml version="1.0" encoding="utf-8"?>
+<file path=ppt/slides/slide7.xml><?xml version="1.0" encoding="utf-8"?>
 <p:sld xmlns:a="http://schemas.openxmlformats.org/drawingml/2006/main" xmlns:r="http://schemas.openxmlformats.org/officeDocument/2006/relationships" xmlns:p="http://schemas.openxmlformats.org/presentationml/2006/main">
   <p:cSld name="Slide 5">
     <p:bg>
@@ -4226,7 +6587,7 @@
 </p:sld>
 </file>
 
-<file path=ppt/slides/slide9.xml><?xml version="1.0" encoding="utf-8"?>
+<file path=ppt/slides/slide8.xml><?xml version="1.0" encoding="utf-8"?>
 <p:sld xmlns:a="http://schemas.openxmlformats.org/drawingml/2006/main" xmlns:r="http://schemas.openxmlformats.org/officeDocument/2006/relationships" xmlns:p="http://schemas.openxmlformats.org/presentationml/2006/main">
   <p:cSld name="Slide 6">
     <p:bg>
@@ -4420,6 +6781,150 @@
           </a:p>
         </p:txBody>
       </p:sp>
+    </p:spTree>
+  </p:cSld>
+  <p:clrMapOvr>
+    <a:masterClrMapping/>
+  </p:clrMapOvr>
+</p:sld>
+</file>
+
+<file path=ppt/slides/slide9.xml><?xml version="1.0" encoding="utf-8"?>
+<p:sld xmlns:a="http://schemas.openxmlformats.org/drawingml/2006/main" xmlns:r="http://schemas.openxmlformats.org/officeDocument/2006/relationships" xmlns:p="http://schemas.openxmlformats.org/presentationml/2006/main">
+  <p:cSld name="Slide 7">
+    <p:bg>
+      <p:bgPr>
+        <a:solidFill>
+          <a:srgbClr val="FFFFFF"/>
+        </a:solidFill>
+        <a:effectLst/>
+      </p:bgPr>
+    </p:bg>
+    <p:spTree>
+      <p:nvGrpSpPr>
+        <p:cNvPr id="1" name=""/>
+        <p:cNvGrpSpPr/>
+        <p:nvPr/>
+      </p:nvGrpSpPr>
+      <p:grpSpPr>
+        <a:xfrm>
+          <a:off x="0" y="0"/>
+          <a:ext cx="0" cy="0"/>
+          <a:chOff x="0" y="0"/>
+          <a:chExt cx="0" cy="0"/>
+        </a:xfrm>
+      </p:grpSpPr>
+      <p:grpSp>
+        <p:nvGrpSpPr>
+          <p:cNvPr id="1001" name="그룹 1001"/>
+          <p:cNvGrpSpPr/>
+          <p:nvPr/>
+        </p:nvGrpSpPr>
+        <p:grpSpPr>
+          <a:xfrm>
+            <a:off x="-342857" y="1405489"/>
+            <a:ext cx="14368253" cy="7474736"/>
+            <a:chOff x="-342857" y="1405489"/>
+            <a:chExt cx="14368253" cy="7474736"/>
+          </a:xfrm>
+        </p:grpSpPr>
+        <p:pic>
+          <p:nvPicPr>
+            <p:cNvPr id="3" name="Object 2"/>
+            <p:cNvPicPr>
+              <a:picLocks noChangeAspect="1"/>
+            </p:cNvPicPr>
+            <p:nvPr/>
+          </p:nvPicPr>
+          <p:blipFill>
+            <a:blip r:embed="rId2" cstate="print"/>
+            <a:stretch>
+              <a:fillRect/>
+            </a:stretch>
+          </p:blipFill>
+          <p:spPr>
+            <a:xfrm>
+              <a:off x="-815226" y="933120"/>
+              <a:ext cx="12597741" cy="5315537"/>
+            </a:xfrm>
+            <a:prstGeom prst="rect">
+              <a:avLst/>
+            </a:prstGeom>
+          </p:spPr>
+        </p:pic>
+        <p:pic>
+          <p:nvPicPr>
+            <p:cNvPr id="4" name="Object 3"/>
+            <p:cNvPicPr>
+              <a:picLocks noChangeAspect="1"/>
+            </p:cNvPicPr>
+            <p:nvPr/>
+          </p:nvPicPr>
+          <p:blipFill>
+            <a:blip r:embed="rId3" cstate="print"/>
+            <a:stretch>
+              <a:fillRect/>
+            </a:stretch>
+          </p:blipFill>
+          <p:spPr>
+            <a:xfrm>
+              <a:off x="6565726" y="3999077"/>
+              <a:ext cx="8290755" cy="5346290"/>
+            </a:xfrm>
+            <a:prstGeom prst="rect">
+              <a:avLst/>
+            </a:prstGeom>
+          </p:spPr>
+        </p:pic>
+      </p:grpSp>
+      <p:pic>
+        <p:nvPicPr>
+          <p:cNvPr id="6" name="Object 5"/>
+          <p:cNvPicPr>
+            <a:picLocks noChangeAspect="1"/>
+          </p:cNvPicPr>
+          <p:nvPr/>
+        </p:nvPicPr>
+        <p:blipFill>
+          <a:blip r:embed="rId4" cstate="print"/>
+          <a:stretch>
+            <a:fillRect/>
+          </a:stretch>
+        </p:blipFill>
+        <p:spPr>
+          <a:xfrm>
+            <a:off x="3946667" y="439843"/>
+            <a:ext cx="6875551" cy="437924"/>
+          </a:xfrm>
+          <a:prstGeom prst="rect">
+            <a:avLst/>
+          </a:prstGeom>
+        </p:spPr>
+      </p:pic>
+      <p:pic>
+        <p:nvPicPr>
+          <p:cNvPr id="7" name="Object 6"/>
+          <p:cNvPicPr>
+            <a:picLocks noChangeAspect="1"/>
+          </p:cNvPicPr>
+          <p:nvPr/>
+        </p:nvPicPr>
+        <p:blipFill>
+          <a:blip r:embed="rId5" cstate="print"/>
+          <a:stretch>
+            <a:fillRect/>
+          </a:stretch>
+        </p:blipFill>
+        <p:spPr>
+          <a:xfrm>
+            <a:off x="3946667" y="9557173"/>
+            <a:ext cx="8042832" cy="437924"/>
+          </a:xfrm>
+          <a:prstGeom prst="rect">
+            <a:avLst/>
+          </a:prstGeom>
+        </p:spPr>
+      </p:pic>
     </p:spTree>
   </p:cSld>
   <p:clrMapOvr>
